--- a/卒業論文/2016/増田準/中間審査/ポスター.pptx
+++ b/卒業論文/2016/増田準/中間審査/ポスター.pptx
@@ -234,7 +234,7 @@
           <a:p>
             <a:fld id="{210935E7-A51F-4FE3-8E46-E43B536CCFB8}" type="datetimeFigureOut">
               <a:rPr kumimoji="1" lang="ja-JP" altLang="en-US" smtClean="0"/>
-              <a:t>2017/10/6</a:t>
+              <a:t>2017/10/9</a:t>
             </a:fld>
             <a:endParaRPr kumimoji="1" lang="ja-JP" altLang="en-US"/>
           </a:p>
@@ -757,7 +757,7 @@
                 </a:solidFill>
               </a:rPr>
               <a:pPr/>
-              <a:t>2017/10/6</a:t>
+              <a:t>2017/10/9</a:t>
             </a:fld>
             <a:endParaRPr lang="ja-JP" altLang="en-US">
               <a:solidFill>
@@ -996,7 +996,7 @@
                 </a:solidFill>
               </a:rPr>
               <a:pPr/>
-              <a:t>2017/10/6</a:t>
+              <a:t>2017/10/9</a:t>
             </a:fld>
             <a:endParaRPr lang="ja-JP" altLang="en-US">
               <a:solidFill>
@@ -1245,7 +1245,7 @@
                 </a:solidFill>
               </a:rPr>
               <a:pPr/>
-              <a:t>2017/10/6</a:t>
+              <a:t>2017/10/9</a:t>
             </a:fld>
             <a:endParaRPr lang="ja-JP" altLang="en-US">
               <a:solidFill>
@@ -1484,7 +1484,7 @@
                 </a:solidFill>
               </a:rPr>
               <a:pPr/>
-              <a:t>2017/10/6</a:t>
+              <a:t>2017/10/9</a:t>
             </a:fld>
             <a:endParaRPr lang="ja-JP" altLang="en-US">
               <a:solidFill>
@@ -1767,7 +1767,7 @@
                 </a:solidFill>
               </a:rPr>
               <a:pPr/>
-              <a:t>2017/10/6</a:t>
+              <a:t>2017/10/9</a:t>
             </a:fld>
             <a:endParaRPr lang="ja-JP" altLang="en-US">
               <a:solidFill>
@@ -2100,7 +2100,7 @@
                 </a:solidFill>
               </a:rPr>
               <a:pPr/>
-              <a:t>2017/10/6</a:t>
+              <a:t>2017/10/9</a:t>
             </a:fld>
             <a:endParaRPr lang="ja-JP" altLang="en-US">
               <a:solidFill>
@@ -2568,7 +2568,7 @@
                 </a:solidFill>
               </a:rPr>
               <a:pPr/>
-              <a:t>2017/10/6</a:t>
+              <a:t>2017/10/9</a:t>
             </a:fld>
             <a:endParaRPr lang="ja-JP" altLang="en-US">
               <a:solidFill>
@@ -2723,7 +2723,7 @@
                 </a:solidFill>
               </a:rPr>
               <a:pPr/>
-              <a:t>2017/10/6</a:t>
+              <a:t>2017/10/9</a:t>
             </a:fld>
             <a:endParaRPr lang="ja-JP" altLang="en-US">
               <a:solidFill>
@@ -2855,7 +2855,7 @@
                 </a:solidFill>
               </a:rPr>
               <a:pPr/>
-              <a:t>2017/10/6</a:t>
+              <a:t>2017/10/9</a:t>
             </a:fld>
             <a:endParaRPr lang="ja-JP" altLang="en-US">
               <a:solidFill>
@@ -3201,7 +3201,7 @@
                 </a:solidFill>
               </a:rPr>
               <a:pPr/>
-              <a:t>2017/10/6</a:t>
+              <a:t>2017/10/9</a:t>
             </a:fld>
             <a:endParaRPr lang="ja-JP" altLang="en-US">
               <a:solidFill>
@@ -3491,7 +3491,7 @@
                 </a:solidFill>
               </a:rPr>
               <a:pPr/>
-              <a:t>2017/10/6</a:t>
+              <a:t>2017/10/9</a:t>
             </a:fld>
             <a:endParaRPr lang="ja-JP" altLang="en-US">
               <a:solidFill>
@@ -3774,7 +3774,7 @@
                 </a:solidFill>
               </a:rPr>
               <a:pPr defTabSz="2951897"/>
-              <a:t>2017/10/6</a:t>
+              <a:t>2017/10/9</a:t>
             </a:fld>
             <a:endParaRPr lang="ja-JP" altLang="en-US">
               <a:solidFill>
@@ -4250,7 +4250,7 @@
           <a:lstStyle/>
           <a:p>
             <a:pPr algn="ctr"/>
-            <a:endParaRPr kumimoji="1" lang="ja-JP" altLang="en-US"/>
+            <a:endParaRPr kumimoji="1" lang="ja-JP" altLang="en-US" dirty="0"/>
           </a:p>
         </p:txBody>
       </p:sp>
@@ -4340,7 +4340,7 @@
           <a:lstStyle/>
           <a:p>
             <a:pPr algn="ctr"/>
-            <a:endParaRPr kumimoji="1" lang="ja-JP" altLang="en-US"/>
+            <a:endParaRPr kumimoji="1" lang="ja-JP" altLang="en-US" dirty="0"/>
           </a:p>
         </p:txBody>
       </p:sp>
@@ -4386,7 +4386,7 @@
           <a:lstStyle/>
           <a:p>
             <a:pPr algn="ctr"/>
-            <a:endParaRPr kumimoji="1" lang="ja-JP" altLang="en-US"/>
+            <a:endParaRPr kumimoji="1" lang="ja-JP" altLang="en-US" dirty="0"/>
           </a:p>
         </p:txBody>
       </p:sp>
@@ -4434,7 +4434,7 @@
           <a:lstStyle/>
           <a:p>
             <a:pPr algn="ctr"/>
-            <a:endParaRPr kumimoji="1" lang="ja-JP" altLang="en-US"/>
+            <a:endParaRPr kumimoji="1" lang="ja-JP" altLang="en-US" dirty="0"/>
           </a:p>
         </p:txBody>
       </p:sp>
@@ -4506,7 +4506,7 @@
           <a:lstStyle/>
           <a:p>
             <a:pPr algn="ctr"/>
-            <a:endParaRPr kumimoji="1" lang="ja-JP" altLang="en-US">
+            <a:endParaRPr kumimoji="1" lang="ja-JP" altLang="en-US" dirty="0">
               <a:ln>
                 <a:solidFill>
                   <a:srgbClr val="0FD6DB"/>
@@ -4558,7 +4558,7 @@
           <a:lstStyle/>
           <a:p>
             <a:pPr algn="ctr"/>
-            <a:endParaRPr kumimoji="1" lang="ja-JP" altLang="en-US"/>
+            <a:endParaRPr kumimoji="1" lang="ja-JP" altLang="en-US" dirty="0"/>
           </a:p>
         </p:txBody>
       </p:sp>
@@ -4606,7 +4606,7 @@
           <a:lstStyle/>
           <a:p>
             <a:pPr algn="ctr"/>
-            <a:endParaRPr kumimoji="1" lang="ja-JP" altLang="en-US"/>
+            <a:endParaRPr kumimoji="1" lang="ja-JP" altLang="en-US" dirty="0"/>
           </a:p>
         </p:txBody>
       </p:sp>
@@ -4654,7 +4654,7 @@
           <a:lstStyle/>
           <a:p>
             <a:pPr algn="ctr"/>
-            <a:endParaRPr kumimoji="1" lang="ja-JP" altLang="en-US"/>
+            <a:endParaRPr kumimoji="1" lang="ja-JP" altLang="en-US" dirty="0"/>
           </a:p>
         </p:txBody>
       </p:sp>
@@ -4700,7 +4700,7 @@
           <a:lstStyle/>
           <a:p>
             <a:pPr algn="ctr"/>
-            <a:endParaRPr kumimoji="1" lang="ja-JP" altLang="en-US"/>
+            <a:endParaRPr kumimoji="1" lang="ja-JP" altLang="en-US" dirty="0"/>
           </a:p>
         </p:txBody>
       </p:sp>
@@ -4744,7 +4744,7 @@
           <a:lstStyle/>
           <a:p>
             <a:pPr algn="ctr"/>
-            <a:endParaRPr kumimoji="1" lang="ja-JP" altLang="en-US"/>
+            <a:endParaRPr kumimoji="1" lang="ja-JP" altLang="en-US" dirty="0"/>
           </a:p>
         </p:txBody>
       </p:sp>
@@ -4800,14 +4800,34 @@
           </a:p>
           <a:p>
             <a:r>
-              <a:rPr lang="ja-JP" altLang="en-US" sz="8300" dirty="0" smtClean="0">
+              <a:rPr lang="en-US" altLang="ja-JP" sz="8300" dirty="0" smtClean="0">
                 <a:solidFill>
                   <a:schemeClr val="bg1"/>
                 </a:solidFill>
                 <a:latin typeface="小塚ゴシック Pr6N L" panose="020B0200000000000000" pitchFamily="34" charset="-128"/>
                 <a:ea typeface="小塚ゴシック Pr6N L" panose="020B0200000000000000" pitchFamily="34" charset="-128"/>
               </a:rPr>
-              <a:t>ウェブサイトデザイン</a:t>
+              <a:t>We</a:t>
+            </a:r>
+            <a:r>
+              <a:rPr lang="en-US" altLang="ja-JP" sz="8300" dirty="0">
+                <a:solidFill>
+                  <a:schemeClr val="bg1"/>
+                </a:solidFill>
+                <a:latin typeface="小塚ゴシック Pr6N L" panose="020B0200000000000000" pitchFamily="34" charset="-128"/>
+                <a:ea typeface="小塚ゴシック Pr6N L" panose="020B0200000000000000" pitchFamily="34" charset="-128"/>
+              </a:rPr>
+              <a:t>b</a:t>
+            </a:r>
+            <a:r>
+              <a:rPr lang="ja-JP" altLang="en-US" sz="8300" dirty="0" smtClean="0">
+                <a:solidFill>
+                  <a:schemeClr val="bg1"/>
+                </a:solidFill>
+                <a:latin typeface="小塚ゴシック Pr6N L" panose="020B0200000000000000" pitchFamily="34" charset="-128"/>
+                <a:ea typeface="小塚ゴシック Pr6N L" panose="020B0200000000000000" pitchFamily="34" charset="-128"/>
+              </a:rPr>
+              <a:t>サイトデザイン</a:t>
             </a:r>
             <a:r>
               <a:rPr lang="ja-JP" altLang="en-US" sz="8300" dirty="0">
@@ -4935,7 +4955,7 @@
           <a:lstStyle/>
           <a:p>
             <a:pPr algn="ctr"/>
-            <a:endParaRPr kumimoji="1" lang="ja-JP" altLang="en-US"/>
+            <a:endParaRPr kumimoji="1" lang="ja-JP" altLang="en-US" dirty="0"/>
           </a:p>
         </p:txBody>
       </p:sp>
@@ -5026,7 +5046,7 @@
           <a:lstStyle/>
           <a:p>
             <a:pPr algn="ctr"/>
-            <a:endParaRPr kumimoji="1" lang="ja-JP" altLang="en-US"/>
+            <a:endParaRPr kumimoji="1" lang="ja-JP" altLang="en-US" dirty="0"/>
           </a:p>
         </p:txBody>
       </p:sp>
@@ -5298,7 +5318,7 @@
           <a:lstStyle/>
           <a:p>
             <a:pPr algn="ctr"/>
-            <a:endParaRPr kumimoji="1" lang="ja-JP" altLang="en-US"/>
+            <a:endParaRPr kumimoji="1" lang="ja-JP" altLang="en-US" dirty="0"/>
           </a:p>
         </p:txBody>
       </p:sp>
@@ -5374,7 +5394,7 @@
           <a:lstStyle/>
           <a:p>
             <a:pPr algn="ctr"/>
-            <a:endParaRPr kumimoji="1" lang="ja-JP" altLang="en-US"/>
+            <a:endParaRPr kumimoji="1" lang="ja-JP" altLang="en-US" dirty="0"/>
           </a:p>
         </p:txBody>
       </p:sp>
@@ -5450,7 +5470,7 @@
           <a:lstStyle/>
           <a:p>
             <a:pPr algn="ctr"/>
-            <a:endParaRPr kumimoji="1" lang="ja-JP" altLang="en-US"/>
+            <a:endParaRPr kumimoji="1" lang="ja-JP" altLang="en-US" dirty="0"/>
           </a:p>
         </p:txBody>
       </p:sp>
@@ -5496,7 +5516,7 @@
           <a:lstStyle/>
           <a:p>
             <a:pPr algn="ctr"/>
-            <a:endParaRPr kumimoji="1" lang="ja-JP" altLang="en-US"/>
+            <a:endParaRPr kumimoji="1" lang="ja-JP" altLang="en-US" dirty="0"/>
           </a:p>
         </p:txBody>
       </p:sp>
@@ -5544,7 +5564,7 @@
           <a:lstStyle/>
           <a:p>
             <a:pPr algn="ctr"/>
-            <a:endParaRPr kumimoji="1" lang="ja-JP" altLang="en-US"/>
+            <a:endParaRPr kumimoji="1" lang="ja-JP" altLang="en-US" dirty="0"/>
           </a:p>
         </p:txBody>
       </p:sp>
@@ -5644,7 +5664,7 @@
           <a:lstStyle/>
           <a:p>
             <a:pPr algn="ctr"/>
-            <a:endParaRPr kumimoji="1" lang="ja-JP" altLang="en-US"/>
+            <a:endParaRPr kumimoji="1" lang="ja-JP" altLang="en-US" dirty="0"/>
           </a:p>
         </p:txBody>
       </p:sp>
@@ -5716,7 +5736,7 @@
           <a:lstStyle/>
           <a:p>
             <a:pPr algn="ctr"/>
-            <a:endParaRPr kumimoji="1" lang="ja-JP" altLang="en-US"/>
+            <a:endParaRPr kumimoji="1" lang="ja-JP" altLang="en-US" dirty="0"/>
           </a:p>
         </p:txBody>
       </p:sp>
@@ -5762,7 +5782,7 @@
           <a:lstStyle/>
           <a:p>
             <a:pPr algn="ctr"/>
-            <a:endParaRPr kumimoji="1" lang="ja-JP" altLang="en-US"/>
+            <a:endParaRPr kumimoji="1" lang="ja-JP" altLang="en-US" dirty="0"/>
           </a:p>
         </p:txBody>
       </p:sp>
@@ -5808,7 +5828,7 @@
           <a:lstStyle/>
           <a:p>
             <a:pPr algn="ctr"/>
-            <a:endParaRPr kumimoji="1" lang="ja-JP" altLang="en-US"/>
+            <a:endParaRPr kumimoji="1" lang="ja-JP" altLang="en-US" dirty="0"/>
           </a:p>
         </p:txBody>
       </p:sp>
@@ -6197,7 +6217,7 @@
           <a:lstStyle/>
           <a:p>
             <a:pPr algn="ctr"/>
-            <a:endParaRPr kumimoji="1" lang="ja-JP" altLang="en-US"/>
+            <a:endParaRPr kumimoji="1" lang="ja-JP" altLang="en-US" dirty="0"/>
           </a:p>
         </p:txBody>
       </p:sp>
@@ -6243,7 +6263,7 @@
           <a:lstStyle/>
           <a:p>
             <a:pPr algn="ctr"/>
-            <a:endParaRPr kumimoji="1" lang="ja-JP" altLang="en-US"/>
+            <a:endParaRPr kumimoji="1" lang="ja-JP" altLang="en-US" dirty="0"/>
           </a:p>
         </p:txBody>
       </p:sp>
@@ -6289,7 +6309,7 @@
           <a:lstStyle/>
           <a:p>
             <a:pPr algn="ctr"/>
-            <a:endParaRPr kumimoji="1" lang="ja-JP" altLang="en-US"/>
+            <a:endParaRPr kumimoji="1" lang="ja-JP" altLang="en-US" dirty="0"/>
           </a:p>
         </p:txBody>
       </p:sp>
@@ -6335,7 +6355,7 @@
           <a:lstStyle/>
           <a:p>
             <a:pPr algn="ctr"/>
-            <a:endParaRPr kumimoji="1" lang="ja-JP" altLang="en-US"/>
+            <a:endParaRPr kumimoji="1" lang="ja-JP" altLang="en-US" dirty="0"/>
           </a:p>
         </p:txBody>
       </p:sp>
@@ -6361,13 +6381,65 @@
           </a:bodyPr>
           <a:lstStyle/>
           <a:p>
+            <a:pPr marL="742950" indent="-742950">
+              <a:buFont typeface="+mj-lt"/>
+              <a:buAutoNum type="arabicPeriod"/>
+            </a:pPr>
+            <a:r>
+              <a:rPr kumimoji="1" lang="ja-JP" altLang="en-US" sz="4000" dirty="0" smtClean="0">
+                <a:solidFill>
+                  <a:srgbClr val="001570"/>
+                </a:solidFill>
+              </a:rPr>
+              <a:t>インターネットアーカイブ</a:t>
+            </a:r>
+            <a:r>
+              <a:rPr kumimoji="1" lang="ja-JP" altLang="en-US" sz="4000" dirty="0" smtClean="0">
+                <a:solidFill>
+                  <a:srgbClr val="001570"/>
+                </a:solidFill>
+              </a:rPr>
+              <a:t>にある過去</a:t>
+            </a:r>
+            <a:r>
+              <a:rPr kumimoji="1" lang="en-US" altLang="ja-JP" sz="4000" dirty="0" smtClean="0">
+                <a:solidFill>
+                  <a:srgbClr val="001570"/>
+                </a:solidFill>
+              </a:rPr>
+              <a:t>~</a:t>
+            </a:r>
+            <a:r>
+              <a:rPr kumimoji="1" lang="ja-JP" altLang="en-US" sz="4000" dirty="0" smtClean="0">
+                <a:solidFill>
+                  <a:srgbClr val="001570"/>
+                </a:solidFill>
+              </a:rPr>
+              <a:t>現在の</a:t>
+            </a:r>
+            <a:r>
+              <a:rPr kumimoji="1" lang="en-US" altLang="ja-JP" sz="4000" dirty="0" smtClean="0">
+                <a:solidFill>
+                  <a:srgbClr val="001570"/>
+                </a:solidFill>
+              </a:rPr>
+              <a:t>Web</a:t>
+            </a:r>
+            <a:r>
+              <a:rPr kumimoji="1" lang="ja-JP" altLang="en-US" sz="4000" dirty="0" smtClean="0">
+                <a:solidFill>
+                  <a:srgbClr val="001570"/>
+                </a:solidFill>
+              </a:rPr>
+              <a:t>ページを複数</a:t>
+            </a:r>
             <a:r>
               <a:rPr lang="ja-JP" altLang="en-US" sz="4000" dirty="0">
                 <a:solidFill>
                   <a:srgbClr val="001570"/>
                 </a:solidFill>
               </a:rPr>
-              <a:t>１</a:t>
+              <a:t>枚</a:t>
             </a:r>
             <a:r>
               <a:rPr kumimoji="1" lang="ja-JP" altLang="en-US" sz="4000" dirty="0" smtClean="0">
@@ -6375,23 +6447,15 @@
                   <a:srgbClr val="001570"/>
                 </a:solidFill>
               </a:rPr>
-              <a:t>．インターネットアーカイブにある過去</a:t>
-            </a:r>
-            <a:r>
-              <a:rPr kumimoji="1" lang="en-US" altLang="ja-JP" sz="4000" dirty="0" smtClean="0">
+              <a:t>キャプチャ</a:t>
+            </a:r>
+            <a:r>
+              <a:rPr lang="ja-JP" altLang="en-US" sz="4000" dirty="0" smtClean="0">
                 <a:solidFill>
                   <a:srgbClr val="001570"/>
                 </a:solidFill>
               </a:rPr>
-              <a:t>~</a:t>
-            </a:r>
-            <a:r>
-              <a:rPr kumimoji="1" lang="ja-JP" altLang="en-US" sz="4000" dirty="0" smtClean="0">
-                <a:solidFill>
-                  <a:srgbClr val="001570"/>
-                </a:solidFill>
-              </a:rPr>
-              <a:t>現在</a:t>
+              <a:t>する．</a:t>
             </a:r>
             <a:endParaRPr kumimoji="1" lang="en-US" altLang="ja-JP" sz="4000" dirty="0" smtClean="0">
               <a:solidFill>
@@ -6400,92 +6464,41 @@
             </a:endParaRPr>
           </a:p>
           <a:p>
-            <a:r>
-              <a:rPr kumimoji="1" lang="ja-JP" altLang="en-US" sz="4000" dirty="0" smtClean="0">
+            <a:pPr marL="742950" indent="-742950">
+              <a:buFont typeface="+mj-lt"/>
+              <a:buAutoNum type="arabicPeriod"/>
+            </a:pPr>
+            <a:r>
+              <a:rPr lang="en-US" altLang="ja-JP" sz="4000" dirty="0" smtClean="0">
                 <a:solidFill>
                   <a:srgbClr val="001570"/>
                 </a:solidFill>
               </a:rPr>
-              <a:t>　　 </a:t>
-            </a:r>
-            <a:r>
-              <a:rPr kumimoji="1" lang="ja-JP" altLang="en-US" sz="4000" dirty="0" err="1" smtClean="0">
+              <a:t>Web</a:t>
+            </a:r>
+            <a:r>
+              <a:rPr lang="ja-JP" altLang="en-US" sz="4000" dirty="0" smtClean="0">
                 <a:solidFill>
                   <a:srgbClr val="001570"/>
                 </a:solidFill>
               </a:rPr>
-              <a:t>の</a:t>
-            </a:r>
-            <a:r>
-              <a:rPr kumimoji="1" lang="en-US" altLang="ja-JP" sz="4000" dirty="0" smtClean="0">
+              <a:t>ページの画像を年代別</a:t>
+            </a:r>
+            <a:r>
+              <a:rPr lang="ja-JP" altLang="en-US" sz="4000" dirty="0" smtClean="0">
                 <a:solidFill>
                   <a:srgbClr val="001570"/>
                 </a:solidFill>
               </a:rPr>
-              <a:t>Web</a:t>
-            </a:r>
-            <a:r>
-              <a:rPr kumimoji="1" lang="ja-JP" altLang="en-US" sz="4000" dirty="0" smtClean="0">
+              <a:t>にタグ付けしディープラーニング</a:t>
+            </a:r>
+            <a:r>
+              <a:rPr lang="ja-JP" altLang="en-US" sz="4000" dirty="0" smtClean="0">
                 <a:solidFill>
                   <a:srgbClr val="001570"/>
                 </a:solidFill>
               </a:rPr>
-              <a:t>ページを複数</a:t>
-            </a:r>
-            <a:r>
-              <a:rPr lang="ja-JP" altLang="en-US" sz="4000" dirty="0">
-                <a:solidFill>
-                  <a:srgbClr val="001570"/>
-                </a:solidFill>
-              </a:rPr>
-              <a:t>枚</a:t>
-            </a:r>
-            <a:r>
-              <a:rPr kumimoji="1" lang="ja-JP" altLang="en-US" sz="4000" dirty="0" smtClean="0">
-                <a:solidFill>
-                  <a:srgbClr val="001570"/>
-                </a:solidFill>
-              </a:rPr>
-              <a:t>キャプチャ</a:t>
-            </a:r>
-            <a:r>
-              <a:rPr lang="ja-JP" altLang="en-US" sz="4000" dirty="0" smtClean="0">
-                <a:solidFill>
-                  <a:srgbClr val="001570"/>
-                </a:solidFill>
-              </a:rPr>
-              <a:t>する．</a:t>
-            </a:r>
-            <a:endParaRPr kumimoji="1" lang="en-US" altLang="ja-JP" sz="4000" dirty="0" smtClean="0">
-              <a:solidFill>
-                <a:srgbClr val="001570"/>
-              </a:solidFill>
-            </a:endParaRPr>
-          </a:p>
-          <a:p>
-            <a:r>
-              <a:rPr lang="ja-JP" altLang="en-US" sz="4000" dirty="0" smtClean="0">
-                <a:solidFill>
-                  <a:srgbClr val="001570"/>
-                </a:solidFill>
-              </a:rPr>
-              <a:t>２．</a:t>
-            </a:r>
-            <a:r>
-              <a:rPr lang="en-US" altLang="ja-JP" sz="4000" dirty="0" smtClean="0">
-                <a:solidFill>
-                  <a:srgbClr val="001570"/>
-                </a:solidFill>
-              </a:rPr>
-              <a:t>Web</a:t>
-            </a:r>
-            <a:r>
-              <a:rPr lang="ja-JP" altLang="en-US" sz="4000" dirty="0" smtClean="0">
-                <a:solidFill>
-                  <a:srgbClr val="001570"/>
-                </a:solidFill>
-              </a:rPr>
-              <a:t>ページの画像を年代別にタグ付けし</a:t>
+              <a:t>で学習する．</a:t>
             </a:r>
             <a:endParaRPr lang="en-US" altLang="ja-JP" sz="4000" dirty="0" smtClean="0">
               <a:solidFill>
@@ -6494,68 +6507,25 @@
             </a:endParaRPr>
           </a:p>
           <a:p>
-            <a:r>
-              <a:rPr lang="ja-JP" altLang="en-US" sz="4000" dirty="0">
+            <a:pPr marL="742950" indent="-742950">
+              <a:buFont typeface="+mj-lt"/>
+              <a:buAutoNum type="arabicPeriod"/>
+            </a:pPr>
+            <a:r>
+              <a:rPr kumimoji="1" lang="ja-JP" altLang="en-US" sz="4000" dirty="0" smtClean="0">
                 <a:solidFill>
                   <a:srgbClr val="001570"/>
                 </a:solidFill>
               </a:rPr>
-              <a:t>　</a:t>
-            </a:r>
-            <a:r>
-              <a:rPr lang="ja-JP" altLang="en-US" sz="4000" dirty="0" smtClean="0">
+              <a:t>別</a:t>
+            </a:r>
+            <a:r>
+              <a:rPr kumimoji="1" lang="ja-JP" altLang="en-US" sz="4000" dirty="0" smtClean="0">
                 <a:solidFill>
                   <a:srgbClr val="001570"/>
                 </a:solidFill>
               </a:rPr>
-              <a:t>　</a:t>
-            </a:r>
-            <a:r>
-              <a:rPr lang="ja-JP" altLang="en-US" sz="4000" dirty="0" smtClean="0">
-                <a:solidFill>
-                  <a:srgbClr val="001570"/>
-                </a:solidFill>
-              </a:rPr>
-              <a:t>ディープ</a:t>
-            </a:r>
-            <a:r>
-              <a:rPr lang="ja-JP" altLang="en-US" sz="4000" dirty="0">
-                <a:solidFill>
-                  <a:srgbClr val="001570"/>
-                </a:solidFill>
-              </a:rPr>
-              <a:t>ラーニング</a:t>
-            </a:r>
-            <a:r>
-              <a:rPr lang="ja-JP" altLang="en-US" sz="4000" dirty="0" smtClean="0">
-                <a:solidFill>
-                  <a:srgbClr val="001570"/>
-                </a:solidFill>
-              </a:rPr>
-              <a:t>で</a:t>
-            </a:r>
-            <a:r>
-              <a:rPr lang="ja-JP" altLang="en-US" sz="4000" dirty="0" smtClean="0">
-                <a:solidFill>
-                  <a:srgbClr val="001570"/>
-                </a:solidFill>
-              </a:rPr>
-              <a:t>学習する．</a:t>
-            </a:r>
-            <a:endParaRPr lang="en-US" altLang="ja-JP" sz="4000" dirty="0" smtClean="0">
-              <a:solidFill>
-                <a:srgbClr val="001570"/>
-              </a:solidFill>
-            </a:endParaRPr>
-          </a:p>
-          <a:p>
-            <a:r>
-              <a:rPr kumimoji="1" lang="ja-JP" altLang="en-US" sz="4000" dirty="0" smtClean="0">
-                <a:solidFill>
-                  <a:srgbClr val="001570"/>
-                </a:solidFill>
-              </a:rPr>
-              <a:t>３．別の</a:t>
+              <a:t>の</a:t>
             </a:r>
             <a:r>
               <a:rPr kumimoji="1" lang="en-US" altLang="ja-JP" sz="4000" dirty="0" smtClean="0">
@@ -6616,7 +6586,7 @@
           <a:lstStyle/>
           <a:p>
             <a:pPr algn="ctr"/>
-            <a:endParaRPr kumimoji="1" lang="ja-JP" altLang="en-US"/>
+            <a:endParaRPr kumimoji="1" lang="ja-JP" altLang="en-US" dirty="0"/>
           </a:p>
         </p:txBody>
       </p:sp>
@@ -6798,7 +6768,7 @@
           <a:lstStyle/>
           <a:p>
             <a:pPr algn="ctr"/>
-            <a:endParaRPr kumimoji="1" lang="ja-JP" altLang="en-US"/>
+            <a:endParaRPr kumimoji="1" lang="ja-JP" altLang="en-US" dirty="0"/>
           </a:p>
         </p:txBody>
       </p:sp>
@@ -6867,39 +6837,30 @@
           </a:bodyPr>
           <a:lstStyle/>
           <a:p>
+            <a:pPr marL="457200" indent="-457200">
+              <a:buFont typeface="Wingdings" panose="05000000000000000000" pitchFamily="2" charset="2"/>
+              <a:buChar char="l"/>
+            </a:pPr>
+            <a:r>
+              <a:rPr kumimoji="1" lang="en-US" altLang="ja-JP" sz="3200" dirty="0" smtClean="0">
+                <a:latin typeface="小塚ゴシック Pr6N EL" panose="020B0200000000000000" pitchFamily="34" charset="-128"/>
+                <a:ea typeface="小塚ゴシック Pr6N EL" panose="020B0200000000000000" pitchFamily="34" charset="-128"/>
+              </a:rPr>
+              <a:t>Web</a:t>
+            </a:r>
             <a:r>
               <a:rPr kumimoji="1" lang="ja-JP" altLang="en-US" sz="3200" dirty="0" smtClean="0">
                 <a:latin typeface="小塚ゴシック Pr6N EL" panose="020B0200000000000000" pitchFamily="34" charset="-128"/>
                 <a:ea typeface="小塚ゴシック Pr6N EL" panose="020B0200000000000000" pitchFamily="34" charset="-128"/>
               </a:rPr>
-              <a:t>・</a:t>
-            </a:r>
-            <a:r>
-              <a:rPr kumimoji="1" lang="en-US" altLang="ja-JP" sz="3200" dirty="0" smtClean="0">
-                <a:latin typeface="小塚ゴシック Pr6N EL" panose="020B0200000000000000" pitchFamily="34" charset="-128"/>
-                <a:ea typeface="小塚ゴシック Pr6N EL" panose="020B0200000000000000" pitchFamily="34" charset="-128"/>
-              </a:rPr>
-              <a:t>Web</a:t>
+              <a:t>ブラウザを自動操作する</a:t>
             </a:r>
             <a:r>
               <a:rPr kumimoji="1" lang="ja-JP" altLang="en-US" sz="3200" dirty="0" smtClean="0">
                 <a:latin typeface="小塚ゴシック Pr6N EL" panose="020B0200000000000000" pitchFamily="34" charset="-128"/>
                 <a:ea typeface="小塚ゴシック Pr6N EL" panose="020B0200000000000000" pitchFamily="34" charset="-128"/>
               </a:rPr>
-              <a:t>ブラウザを自動操作するライブラリ</a:t>
-            </a:r>
-            <a:endParaRPr kumimoji="1" lang="en-US" altLang="ja-JP" sz="3200" dirty="0" smtClean="0">
-              <a:latin typeface="小塚ゴシック Pr6N EL" panose="020B0200000000000000" pitchFamily="34" charset="-128"/>
-              <a:ea typeface="小塚ゴシック Pr6N EL" panose="020B0200000000000000" pitchFamily="34" charset="-128"/>
-            </a:endParaRPr>
-          </a:p>
-          <a:p>
-            <a:r>
-              <a:rPr lang="ja-JP" altLang="en-US" sz="4000" dirty="0" smtClean="0">
-                <a:latin typeface="小塚ゴシック Pr6N EL" panose="020B0200000000000000" pitchFamily="34" charset="-128"/>
-                <a:ea typeface="小塚ゴシック Pr6N EL" panose="020B0200000000000000" pitchFamily="34" charset="-128"/>
-              </a:rPr>
-              <a:t>　</a:t>
+              <a:t>ライブラリ</a:t>
             </a:r>
             <a:r>
               <a:rPr lang="en-US" altLang="ja-JP" sz="4000" dirty="0" smtClean="0">
@@ -6915,25 +6876,78 @@
               </a:rPr>
               <a:t>を用い，スクリーンショット　　</a:t>
             </a:r>
+            <a:r>
+              <a:rPr lang="ja-JP" altLang="en-US" sz="3200" dirty="0" smtClean="0">
+                <a:latin typeface="小塚ゴシック Pr6N EL" panose="020B0200000000000000" pitchFamily="34" charset="-128"/>
+                <a:ea typeface="小塚ゴシック Pr6N EL" panose="020B0200000000000000" pitchFamily="34" charset="-128"/>
+              </a:rPr>
+              <a:t>を</a:t>
+            </a:r>
+            <a:r>
+              <a:rPr lang="ja-JP" altLang="en-US" sz="3200" dirty="0" smtClean="0">
+                <a:latin typeface="小塚ゴシック Pr6N EL" panose="020B0200000000000000" pitchFamily="34" charset="-128"/>
+                <a:ea typeface="小塚ゴシック Pr6N EL" panose="020B0200000000000000" pitchFamily="34" charset="-128"/>
+              </a:rPr>
+              <a:t>自動化</a:t>
+            </a:r>
             <a:endParaRPr lang="en-US" altLang="ja-JP" sz="3200" dirty="0" smtClean="0">
               <a:latin typeface="小塚ゴシック Pr6N EL" panose="020B0200000000000000" pitchFamily="34" charset="-128"/>
               <a:ea typeface="小塚ゴシック Pr6N EL" panose="020B0200000000000000" pitchFamily="34" charset="-128"/>
             </a:endParaRPr>
           </a:p>
           <a:p>
+            <a:pPr marL="457200" indent="-457200">
+              <a:buFont typeface="Wingdings" panose="05000000000000000000" pitchFamily="2" charset="2"/>
+              <a:buChar char="l"/>
+            </a:pPr>
+            <a:r>
+              <a:rPr lang="en-US" altLang="ja-JP" sz="3200" dirty="0" smtClean="0">
+                <a:latin typeface="小塚ゴシック Pr6N EL" panose="020B0200000000000000" pitchFamily="34" charset="-128"/>
+                <a:ea typeface="小塚ゴシック Pr6N EL" panose="020B0200000000000000" pitchFamily="34" charset="-128"/>
+              </a:rPr>
+              <a:t>Fortune </a:t>
+            </a:r>
+            <a:r>
+              <a:rPr lang="en-US" altLang="ja-JP" sz="3200" dirty="0" smtClean="0">
+                <a:latin typeface="小塚ゴシック Pr6N EL" panose="020B0200000000000000" pitchFamily="34" charset="-128"/>
+                <a:ea typeface="小塚ゴシック Pr6N EL" panose="020B0200000000000000" pitchFamily="34" charset="-128"/>
+              </a:rPr>
+              <a:t>Global 500</a:t>
+            </a:r>
             <a:r>
               <a:rPr lang="ja-JP" altLang="en-US" sz="3200" dirty="0">
                 <a:latin typeface="小塚ゴシック Pr6N EL" panose="020B0200000000000000" pitchFamily="34" charset="-128"/>
                 <a:ea typeface="小塚ゴシック Pr6N EL" panose="020B0200000000000000" pitchFamily="34" charset="-128"/>
               </a:rPr>
-              <a:t>　</a:t>
+              <a:t> </a:t>
+            </a:r>
+            <a:r>
+              <a:rPr lang="en-US" altLang="ja-JP" sz="3200" dirty="0" smtClean="0">
+                <a:latin typeface="小塚ゴシック Pr6N EL" panose="020B0200000000000000" pitchFamily="34" charset="-128"/>
+                <a:ea typeface="小塚ゴシック Pr6N EL" panose="020B0200000000000000" pitchFamily="34" charset="-128"/>
+              </a:rPr>
+              <a:t>2017</a:t>
             </a:r>
             <a:r>
               <a:rPr lang="ja-JP" altLang="en-US" sz="3200" dirty="0" smtClean="0">
                 <a:latin typeface="小塚ゴシック Pr6N EL" panose="020B0200000000000000" pitchFamily="34" charset="-128"/>
                 <a:ea typeface="小塚ゴシック Pr6N EL" panose="020B0200000000000000" pitchFamily="34" charset="-128"/>
               </a:rPr>
-              <a:t>を自動化</a:t>
+              <a:t>に制定された</a:t>
+            </a:r>
+            <a:r>
+              <a:rPr lang="ja-JP" altLang="en-US" sz="3200" dirty="0" smtClean="0">
+                <a:latin typeface="小塚ゴシック Pr6N EL" panose="020B0200000000000000" pitchFamily="34" charset="-128"/>
+                <a:ea typeface="小塚ゴシック Pr6N EL" panose="020B0200000000000000" pitchFamily="34" charset="-128"/>
+              </a:rPr>
+              <a:t>企業</a:t>
+            </a:r>
+            <a:r>
+              <a:rPr lang="ja-JP" altLang="en-US" sz="3200" dirty="0" smtClean="0">
+                <a:latin typeface="小塚ゴシック Pr6N EL" panose="020B0200000000000000" pitchFamily="34" charset="-128"/>
+                <a:ea typeface="小塚ゴシック Pr6N EL" panose="020B0200000000000000" pitchFamily="34" charset="-128"/>
+              </a:rPr>
+              <a:t>のホームページをリスト化し，取得</a:t>
             </a:r>
             <a:endParaRPr lang="en-US" altLang="ja-JP" sz="3200" dirty="0" smtClean="0">
               <a:latin typeface="小塚ゴシック Pr6N EL" panose="020B0200000000000000" pitchFamily="34" charset="-128"/>
@@ -6941,67 +6955,10 @@
             </a:endParaRPr>
           </a:p>
           <a:p>
-            <a:r>
-              <a:rPr lang="ja-JP" altLang="en-US" sz="3200" dirty="0" smtClean="0">
-                <a:latin typeface="小塚ゴシック Pr6N EL" panose="020B0200000000000000" pitchFamily="34" charset="-128"/>
-                <a:ea typeface="小塚ゴシック Pr6N EL" panose="020B0200000000000000" pitchFamily="34" charset="-128"/>
-              </a:rPr>
-              <a:t>・</a:t>
-            </a:r>
-            <a:r>
-              <a:rPr lang="en-US" altLang="ja-JP" sz="3200" dirty="0" smtClean="0">
-                <a:latin typeface="小塚ゴシック Pr6N EL" panose="020B0200000000000000" pitchFamily="34" charset="-128"/>
-                <a:ea typeface="小塚ゴシック Pr6N EL" panose="020B0200000000000000" pitchFamily="34" charset="-128"/>
-              </a:rPr>
-              <a:t>Fortune Global 500</a:t>
-            </a:r>
-            <a:r>
-              <a:rPr lang="ja-JP" altLang="en-US" sz="3200" dirty="0">
-                <a:latin typeface="小塚ゴシック Pr6N EL" panose="020B0200000000000000" pitchFamily="34" charset="-128"/>
-                <a:ea typeface="小塚ゴシック Pr6N EL" panose="020B0200000000000000" pitchFamily="34" charset="-128"/>
-              </a:rPr>
-              <a:t> </a:t>
-            </a:r>
-            <a:r>
-              <a:rPr lang="en-US" altLang="ja-JP" sz="3200" dirty="0" smtClean="0">
-                <a:latin typeface="小塚ゴシック Pr6N EL" panose="020B0200000000000000" pitchFamily="34" charset="-128"/>
-                <a:ea typeface="小塚ゴシック Pr6N EL" panose="020B0200000000000000" pitchFamily="34" charset="-128"/>
-              </a:rPr>
-              <a:t>2017</a:t>
-            </a:r>
-            <a:r>
-              <a:rPr lang="ja-JP" altLang="en-US" sz="3200" dirty="0" smtClean="0">
-                <a:latin typeface="小塚ゴシック Pr6N EL" panose="020B0200000000000000" pitchFamily="34" charset="-128"/>
-                <a:ea typeface="小塚ゴシック Pr6N EL" panose="020B0200000000000000" pitchFamily="34" charset="-128"/>
-              </a:rPr>
-              <a:t>に制定された企</a:t>
-            </a:r>
-            <a:endParaRPr lang="en-US" altLang="ja-JP" sz="3200" dirty="0" smtClean="0">
-              <a:latin typeface="小塚ゴシック Pr6N EL" panose="020B0200000000000000" pitchFamily="34" charset="-128"/>
-              <a:ea typeface="小塚ゴシック Pr6N EL" panose="020B0200000000000000" pitchFamily="34" charset="-128"/>
-            </a:endParaRPr>
-          </a:p>
-          <a:p>
-            <a:r>
-              <a:rPr lang="ja-JP" altLang="en-US" sz="3200" dirty="0">
-                <a:latin typeface="小塚ゴシック Pr6N EL" panose="020B0200000000000000" pitchFamily="34" charset="-128"/>
-                <a:ea typeface="小塚ゴシック Pr6N EL" panose="020B0200000000000000" pitchFamily="34" charset="-128"/>
-              </a:rPr>
-              <a:t>　</a:t>
-            </a:r>
-            <a:r>
-              <a:rPr lang="ja-JP" altLang="en-US" sz="3200" dirty="0" smtClean="0">
-                <a:latin typeface="小塚ゴシック Pr6N EL" panose="020B0200000000000000" pitchFamily="34" charset="-128"/>
-                <a:ea typeface="小塚ゴシック Pr6N EL" panose="020B0200000000000000" pitchFamily="34" charset="-128"/>
-              </a:rPr>
-              <a:t>業のホームページをリスト化し，取得</a:t>
-            </a:r>
-            <a:endParaRPr lang="en-US" altLang="ja-JP" sz="3200" dirty="0" smtClean="0">
-              <a:latin typeface="小塚ゴシック Pr6N EL" panose="020B0200000000000000" pitchFamily="34" charset="-128"/>
-              <a:ea typeface="小塚ゴシック Pr6N EL" panose="020B0200000000000000" pitchFamily="34" charset="-128"/>
-            </a:endParaRPr>
-          </a:p>
-          <a:p>
+            <a:pPr marL="457200" indent="-457200">
+              <a:buFont typeface="Wingdings" panose="05000000000000000000" pitchFamily="2" charset="2"/>
+              <a:buChar char="l"/>
+            </a:pPr>
             <a:endParaRPr lang="en-US" altLang="ja-JP" sz="3200" dirty="0" smtClean="0">
               <a:latin typeface="小塚ゴシック Pr6N EL" panose="020B0200000000000000" pitchFamily="34" charset="-128"/>
               <a:ea typeface="小塚ゴシック Pr6N EL" panose="020B0200000000000000" pitchFamily="34" charset="-128"/>
@@ -7057,7 +7014,7 @@
           <a:lstStyle/>
           <a:p>
             <a:pPr algn="ctr"/>
-            <a:endParaRPr kumimoji="1" lang="ja-JP" altLang="en-US"/>
+            <a:endParaRPr kumimoji="1" lang="ja-JP" altLang="en-US" dirty="0"/>
           </a:p>
         </p:txBody>
       </p:sp>
@@ -7103,7 +7060,7 @@
           <a:lstStyle/>
           <a:p>
             <a:pPr algn="ctr"/>
-            <a:endParaRPr kumimoji="1" lang="ja-JP" altLang="en-US"/>
+            <a:endParaRPr kumimoji="1" lang="ja-JP" altLang="en-US" dirty="0"/>
           </a:p>
         </p:txBody>
       </p:sp>
@@ -7129,14 +7086,18 @@
           </a:bodyPr>
           <a:lstStyle/>
           <a:p>
-            <a:r>
-              <a:rPr lang="en-US" altLang="ja-JP" sz="3600" dirty="0">
+            <a:pPr marL="571500" indent="-571500">
+              <a:buFontTx/>
+              <a:buChar char="×"/>
+            </a:pPr>
+            <a:r>
+              <a:rPr kumimoji="1" lang="ja-JP" altLang="en-US" sz="3600" dirty="0" smtClean="0">
                 <a:solidFill>
                   <a:srgbClr val="001570"/>
                 </a:solidFill>
                 <a:latin typeface="+mn-ea"/>
               </a:rPr>
-              <a:t>×</a:t>
+              <a:t>キャプチャ</a:t>
             </a:r>
             <a:r>
               <a:rPr kumimoji="1" lang="ja-JP" altLang="en-US" sz="3600" dirty="0" smtClean="0">
@@ -7145,7 +7106,43 @@
                 </a:solidFill>
                 <a:latin typeface="+mn-ea"/>
               </a:rPr>
-              <a:t>キャプチャのサイズを指定しているが，</a:t>
+              <a:t>のサイズを指定しているが</a:t>
+            </a:r>
+            <a:r>
+              <a:rPr kumimoji="1" lang="ja-JP" altLang="en-US" sz="3600" dirty="0" smtClean="0">
+                <a:solidFill>
+                  <a:srgbClr val="001570"/>
+                </a:solidFill>
+                <a:latin typeface="+mn-ea"/>
+              </a:rPr>
+              <a:t>，</a:t>
+            </a:r>
+            <a:r>
+              <a:rPr lang="ja-JP" altLang="en-US" sz="3600" dirty="0" smtClean="0">
+                <a:solidFill>
+                  <a:srgbClr val="001570"/>
+                </a:solidFill>
+                <a:latin typeface="+mn-ea"/>
+              </a:rPr>
+              <a:t>サイズ</a:t>
+            </a:r>
+            <a:r>
+              <a:rPr lang="ja-JP" altLang="en-US" sz="3600" dirty="0" smtClean="0">
+                <a:solidFill>
+                  <a:srgbClr val="001570"/>
+                </a:solidFill>
+                <a:latin typeface="+mn-ea"/>
+              </a:rPr>
+              <a:t>に</a:t>
+            </a:r>
+            <a:r>
+              <a:rPr kumimoji="1" lang="ja-JP" altLang="en-US" sz="3600" dirty="0" smtClean="0">
+                <a:solidFill>
+                  <a:srgbClr val="001570"/>
+                </a:solidFill>
+                <a:latin typeface="+mn-ea"/>
+              </a:rPr>
+              <a:t>ばらつきが出てしまった</a:t>
             </a:r>
             <a:endParaRPr kumimoji="1" lang="en-US" altLang="ja-JP" sz="3600" dirty="0" smtClean="0">
               <a:solidFill>
@@ -7155,41 +7152,10 @@
             </a:endParaRPr>
           </a:p>
           <a:p>
-            <a:r>
-              <a:rPr lang="ja-JP" altLang="en-US" sz="3600" dirty="0">
-                <a:solidFill>
-                  <a:srgbClr val="001570"/>
-                </a:solidFill>
-                <a:latin typeface="+mn-ea"/>
-              </a:rPr>
-              <a:t>　</a:t>
-            </a:r>
-            <a:r>
-              <a:rPr lang="ja-JP" altLang="en-US" sz="3600" dirty="0" smtClean="0">
-                <a:solidFill>
-                  <a:srgbClr val="001570"/>
-                </a:solidFill>
-                <a:latin typeface="+mn-ea"/>
-              </a:rPr>
-              <a:t>　サイズに</a:t>
-            </a:r>
-            <a:r>
-              <a:rPr kumimoji="1" lang="ja-JP" altLang="en-US" sz="3600" dirty="0" smtClean="0">
-                <a:solidFill>
-                  <a:srgbClr val="001570"/>
-                </a:solidFill>
-                <a:latin typeface="+mn-ea"/>
-              </a:rPr>
-              <a:t>ばらつきが出てしまった</a:t>
-            </a:r>
-            <a:endParaRPr kumimoji="1" lang="en-US" altLang="ja-JP" sz="3600" dirty="0" smtClean="0">
-              <a:solidFill>
-                <a:srgbClr val="001570"/>
-              </a:solidFill>
-              <a:latin typeface="+mn-ea"/>
-            </a:endParaRPr>
-          </a:p>
-          <a:p>
+            <a:pPr marL="285750" indent="-285750">
+              <a:buFontTx/>
+              <a:buChar char="×"/>
+            </a:pPr>
             <a:endParaRPr kumimoji="1" lang="en-US" altLang="ja-JP" sz="1600" dirty="0" smtClean="0">
               <a:solidFill>
                 <a:srgbClr val="001570"/>
@@ -7198,14 +7164,18 @@
             </a:endParaRPr>
           </a:p>
           <a:p>
-            <a:r>
-              <a:rPr lang="en-US" altLang="ja-JP" sz="3600" dirty="0">
+            <a:pPr marL="571500" indent="-571500">
+              <a:buFontTx/>
+              <a:buChar char="×"/>
+            </a:pPr>
+            <a:r>
+              <a:rPr lang="ja-JP" altLang="en-US" sz="3600" dirty="0" smtClean="0">
                 <a:solidFill>
                   <a:srgbClr val="001570"/>
                 </a:solidFill>
                 <a:latin typeface="+mn-ea"/>
               </a:rPr>
-              <a:t>×</a:t>
+              <a:t>インターネットアーカイブ</a:t>
             </a:r>
             <a:r>
               <a:rPr lang="ja-JP" altLang="en-US" sz="3600" dirty="0" smtClean="0">
@@ -7214,24 +7184,16 @@
                 </a:solidFill>
                 <a:latin typeface="+mn-ea"/>
               </a:rPr>
-              <a:t>インターネットアーカイブの処理落ちに</a:t>
-            </a:r>
-            <a:endParaRPr lang="en-US" altLang="ja-JP" sz="3600" dirty="0" smtClean="0">
-              <a:solidFill>
-                <a:srgbClr val="001570"/>
-              </a:solidFill>
-              <a:latin typeface="+mn-ea"/>
-            </a:endParaRPr>
-          </a:p>
-          <a:p>
-            <a:r>
-              <a:rPr lang="ja-JP" altLang="en-US" sz="3600" dirty="0">
+              <a:t>の処理落ち</a:t>
+            </a:r>
+            <a:r>
+              <a:rPr lang="ja-JP" altLang="en-US" sz="3600" dirty="0" smtClean="0">
                 <a:solidFill>
                   <a:srgbClr val="001570"/>
                 </a:solidFill>
                 <a:latin typeface="+mn-ea"/>
               </a:rPr>
-              <a:t>　</a:t>
+              <a:t>による</a:t>
             </a:r>
             <a:r>
               <a:rPr lang="ja-JP" altLang="en-US" sz="3600" dirty="0" smtClean="0">
@@ -7240,16 +7202,7 @@
                 </a:solidFill>
                 <a:latin typeface="+mn-ea"/>
               </a:rPr>
-              <a:t>　</a:t>
-            </a:r>
-            <a:r>
-              <a:rPr lang="ja-JP" altLang="en-US" sz="3600" dirty="0" smtClean="0">
-                <a:solidFill>
-                  <a:srgbClr val="001570"/>
-                </a:solidFill>
-                <a:latin typeface="+mn-ea"/>
-              </a:rPr>
-              <a:t>よるエラー画像も複数枚あった</a:t>
+              <a:t>エラー画像も複数枚あった</a:t>
             </a:r>
             <a:endParaRPr lang="en-US" altLang="ja-JP" sz="3600" dirty="0">
               <a:solidFill>
@@ -7259,6 +7212,10 @@
             </a:endParaRPr>
           </a:p>
           <a:p>
+            <a:pPr marL="342900" indent="-342900">
+              <a:buFontTx/>
+              <a:buChar char="×"/>
+            </a:pPr>
             <a:endParaRPr lang="en-US" altLang="ja-JP" sz="2400" dirty="0">
               <a:solidFill>
                 <a:srgbClr val="001570"/>
@@ -7267,6 +7224,19 @@
             </a:endParaRPr>
           </a:p>
           <a:p>
+            <a:pPr marL="571500" indent="-571500">
+              <a:buFontTx/>
+              <a:buChar char="○"/>
+            </a:pPr>
+            <a:r>
+              <a:rPr lang="ja-JP" altLang="en-US" sz="3600" dirty="0">
+                <a:solidFill>
+                  <a:srgbClr val="001570"/>
+                </a:solidFill>
+                <a:latin typeface="+mn-ea"/>
+              </a:rPr>
+              <a:t>上記</a:t>
+            </a:r>
             <a:r>
               <a:rPr lang="ja-JP" altLang="en-US" sz="3600" dirty="0" smtClean="0">
                 <a:solidFill>
@@ -7274,24 +7244,16 @@
                 </a:solidFill>
                 <a:latin typeface="+mn-ea"/>
               </a:rPr>
-              <a:t>○上記のエラー画像を除き</a:t>
-            </a:r>
-            <a:endParaRPr lang="en-US" altLang="ja-JP" sz="3600" dirty="0" smtClean="0">
-              <a:solidFill>
-                <a:srgbClr val="001570"/>
-              </a:solidFill>
-              <a:latin typeface="+mn-ea"/>
-            </a:endParaRPr>
-          </a:p>
-          <a:p>
-            <a:r>
-              <a:rPr lang="ja-JP" altLang="en-US" sz="3600" dirty="0">
+              <a:t>の</a:t>
+            </a:r>
+            <a:r>
+              <a:rPr lang="ja-JP" altLang="en-US" sz="3600" dirty="0" smtClean="0">
                 <a:solidFill>
                   <a:srgbClr val="001570"/>
                 </a:solidFill>
                 <a:latin typeface="+mn-ea"/>
               </a:rPr>
-              <a:t>　</a:t>
+              <a:t>エラー画像を</a:t>
             </a:r>
             <a:r>
               <a:rPr lang="ja-JP" altLang="en-US" sz="3600" dirty="0" smtClean="0">
@@ -7300,7 +7262,7 @@
                 </a:solidFill>
                 <a:latin typeface="+mn-ea"/>
               </a:rPr>
-              <a:t>　</a:t>
+              <a:t>除き</a:t>
             </a:r>
             <a:r>
               <a:rPr lang="en-US" altLang="ja-JP" sz="4800" dirty="0" smtClean="0">
@@ -7373,7 +7335,7 @@
           <a:lstStyle/>
           <a:p>
             <a:pPr algn="ctr"/>
-            <a:endParaRPr kumimoji="1" lang="ja-JP" altLang="en-US"/>
+            <a:endParaRPr kumimoji="1" lang="ja-JP" altLang="en-US" dirty="0"/>
           </a:p>
         </p:txBody>
       </p:sp>
@@ -7435,53 +7397,82 @@
           </a:bodyPr>
           <a:lstStyle/>
           <a:p>
+            <a:pPr marL="457200" indent="-457200">
+              <a:buFont typeface="Arial" panose="020B0604020202020204" pitchFamily="34" charset="0"/>
+              <a:buChar char="•"/>
+            </a:pPr>
+            <a:r>
+              <a:rPr kumimoji="1" lang="en-US" altLang="ja-JP" sz="3200" dirty="0" smtClean="0">
+                <a:latin typeface="小塚ゴシック Pr6N EL" panose="020B0200000000000000" pitchFamily="34" charset="-128"/>
+                <a:ea typeface="小塚ゴシック Pr6N EL" panose="020B0200000000000000" pitchFamily="34" charset="-128"/>
+              </a:rPr>
+              <a:t>Mathematica</a:t>
+            </a:r>
             <a:r>
               <a:rPr kumimoji="1" lang="ja-JP" altLang="en-US" sz="3200" dirty="0" smtClean="0">
                 <a:latin typeface="小塚ゴシック Pr6N EL" panose="020B0200000000000000" pitchFamily="34" charset="-128"/>
                 <a:ea typeface="小塚ゴシック Pr6N EL" panose="020B0200000000000000" pitchFamily="34" charset="-128"/>
               </a:rPr>
-              <a:t>・</a:t>
-            </a:r>
-            <a:r>
-              <a:rPr kumimoji="1" lang="en-US" altLang="ja-JP" sz="3200" dirty="0" smtClean="0">
-                <a:latin typeface="小塚ゴシック Pr6N EL" panose="020B0200000000000000" pitchFamily="34" charset="-128"/>
-                <a:ea typeface="小塚ゴシック Pr6N EL" panose="020B0200000000000000" pitchFamily="34" charset="-128"/>
-              </a:rPr>
-              <a:t>Mathematica</a:t>
+              <a:t>に</a:t>
             </a:r>
             <a:r>
               <a:rPr kumimoji="1" lang="ja-JP" altLang="en-US" sz="3200" dirty="0" smtClean="0">
                 <a:latin typeface="小塚ゴシック Pr6N EL" panose="020B0200000000000000" pitchFamily="34" charset="-128"/>
                 <a:ea typeface="小塚ゴシック Pr6N EL" panose="020B0200000000000000" pitchFamily="34" charset="-128"/>
               </a:rPr>
-              <a:t>による</a:t>
-            </a:r>
-            <a:endParaRPr kumimoji="1" lang="en-US" altLang="ja-JP" sz="3200" dirty="0" smtClean="0">
+              <a:t>よる</a:t>
+            </a:r>
+            <a:r>
+              <a:rPr lang="en-US" altLang="ja-JP" sz="3200" dirty="0" smtClean="0">
+                <a:latin typeface="小塚ゴシック Pr6N EL" panose="020B0200000000000000" pitchFamily="34" charset="-128"/>
+                <a:ea typeface="小塚ゴシック Pr6N EL" panose="020B0200000000000000" pitchFamily="34" charset="-128"/>
+              </a:rPr>
+              <a:t>CNN</a:t>
+            </a:r>
+            <a:r>
+              <a:rPr lang="ja-JP" altLang="en-US" sz="3200" dirty="0" smtClean="0">
+                <a:latin typeface="小塚ゴシック Pr6N EL" panose="020B0200000000000000" pitchFamily="34" charset="-128"/>
+                <a:ea typeface="小塚ゴシック Pr6N EL" panose="020B0200000000000000" pitchFamily="34" charset="-128"/>
+              </a:rPr>
+              <a:t>を使った学習を行った</a:t>
+            </a:r>
+            <a:endParaRPr lang="en-US" altLang="ja-JP" sz="3200" dirty="0" smtClean="0">
               <a:latin typeface="小塚ゴシック Pr6N EL" panose="020B0200000000000000" pitchFamily="34" charset="-128"/>
               <a:ea typeface="小塚ゴシック Pr6N EL" panose="020B0200000000000000" pitchFamily="34" charset="-128"/>
             </a:endParaRPr>
           </a:p>
           <a:p>
+            <a:pPr marL="457200" indent="-457200">
+              <a:buFont typeface="小塚ゴシック Pr6N EL" panose="020B0200000000000000" pitchFamily="34" charset="-128"/>
+              <a:buChar char=" "/>
+            </a:pPr>
+            <a:r>
+              <a:rPr lang="ja-JP" altLang="en-US" sz="3200" dirty="0" smtClean="0">
+                <a:latin typeface="小塚ゴシック Pr6N EL" panose="020B0200000000000000" pitchFamily="34" charset="-128"/>
+                <a:ea typeface="小塚ゴシック Pr6N EL" panose="020B0200000000000000" pitchFamily="34" charset="-128"/>
+              </a:rPr>
+              <a:t>訓練</a:t>
+            </a:r>
             <a:r>
               <a:rPr lang="ja-JP" altLang="en-US" sz="3200" dirty="0">
                 <a:latin typeface="小塚ゴシック Pr6N EL" panose="020B0200000000000000" pitchFamily="34" charset="-128"/>
                 <a:ea typeface="小塚ゴシック Pr6N EL" panose="020B0200000000000000" pitchFamily="34" charset="-128"/>
               </a:rPr>
-              <a:t>　</a:t>
+              <a:t>データ</a:t>
             </a:r>
             <a:r>
               <a:rPr lang="en-US" altLang="ja-JP" sz="3200" dirty="0" smtClean="0">
                 <a:latin typeface="小塚ゴシック Pr6N EL" panose="020B0200000000000000" pitchFamily="34" charset="-128"/>
                 <a:ea typeface="小塚ゴシック Pr6N EL" panose="020B0200000000000000" pitchFamily="34" charset="-128"/>
               </a:rPr>
-              <a:t>CNN</a:t>
+              <a:t>…7000</a:t>
             </a:r>
             <a:r>
               <a:rPr lang="ja-JP" altLang="en-US" sz="3200" dirty="0" smtClean="0">
                 <a:latin typeface="小塚ゴシック Pr6N EL" panose="020B0200000000000000" pitchFamily="34" charset="-128"/>
                 <a:ea typeface="小塚ゴシック Pr6N EL" panose="020B0200000000000000" pitchFamily="34" charset="-128"/>
               </a:rPr>
-              <a:t>を使った学習を行った</a:t>
+              <a:t>枚</a:t>
             </a:r>
             <a:endParaRPr lang="en-US" altLang="ja-JP" sz="3200" dirty="0" smtClean="0">
               <a:latin typeface="小塚ゴシック Pr6N EL" panose="020B0200000000000000" pitchFamily="34" charset="-128"/>
@@ -7489,22 +7480,19 @@
             </a:endParaRPr>
           </a:p>
           <a:p>
-            <a:r>
-              <a:rPr lang="ja-JP" altLang="en-US" sz="3200" dirty="0">
-                <a:latin typeface="小塚ゴシック Pr6N EL" panose="020B0200000000000000" pitchFamily="34" charset="-128"/>
-                <a:ea typeface="小塚ゴシック Pr6N EL" panose="020B0200000000000000" pitchFamily="34" charset="-128"/>
-              </a:rPr>
-              <a:t>　</a:t>
-            </a:r>
+            <a:pPr marL="457200" indent="-457200">
+              <a:buFont typeface="小塚ゴシック Pr6N EL" panose="020B0200000000000000" pitchFamily="34" charset="-128"/>
+              <a:buChar char=" "/>
+            </a:pPr>
             <a:r>
               <a:rPr lang="ja-JP" altLang="en-US" sz="3200" dirty="0" smtClean="0">
                 <a:latin typeface="小塚ゴシック Pr6N EL" panose="020B0200000000000000" pitchFamily="34" charset="-128"/>
                 <a:ea typeface="小塚ゴシック Pr6N EL" panose="020B0200000000000000" pitchFamily="34" charset="-128"/>
               </a:rPr>
-              <a:t>訓練</a:t>
-            </a:r>
-            <a:r>
-              <a:rPr lang="ja-JP" altLang="en-US" sz="3200" dirty="0">
+              <a:t>学習</a:t>
+            </a:r>
+            <a:r>
+              <a:rPr lang="ja-JP" altLang="en-US" sz="3200" dirty="0" smtClean="0">
                 <a:latin typeface="小塚ゴシック Pr6N EL" panose="020B0200000000000000" pitchFamily="34" charset="-128"/>
                 <a:ea typeface="小塚ゴシック Pr6N EL" panose="020B0200000000000000" pitchFamily="34" charset="-128"/>
               </a:rPr>
@@ -7515,7 +7503,7 @@
                 <a:latin typeface="小塚ゴシック Pr6N EL" panose="020B0200000000000000" pitchFamily="34" charset="-128"/>
                 <a:ea typeface="小塚ゴシック Pr6N EL" panose="020B0200000000000000" pitchFamily="34" charset="-128"/>
               </a:rPr>
-              <a:t>…7000</a:t>
+              <a:t>…349</a:t>
             </a:r>
             <a:r>
               <a:rPr lang="ja-JP" altLang="en-US" sz="3200" dirty="0" smtClean="0">
@@ -7524,53 +7512,54 @@
               </a:rPr>
               <a:t>枚</a:t>
             </a:r>
+            <a:endParaRPr lang="en-US" altLang="ja-JP" sz="3200" dirty="0">
+              <a:latin typeface="小塚ゴシック Pr6N EL" panose="020B0200000000000000" pitchFamily="34" charset="-128"/>
+              <a:ea typeface="小塚ゴシック Pr6N EL" panose="020B0200000000000000" pitchFamily="34" charset="-128"/>
+            </a:endParaRPr>
+          </a:p>
+          <a:p>
+            <a:pPr marL="457200" indent="-457200">
+              <a:buFont typeface="小塚ゴシック Pr6N EL" panose="020B0200000000000000" pitchFamily="34" charset="-128"/>
+              <a:buChar char=" "/>
+            </a:pPr>
+            <a:r>
+              <a:rPr lang="ja-JP" altLang="en-US" sz="3200" dirty="0" smtClean="0">
+                <a:latin typeface="小塚ゴシック Pr6N EL" panose="020B0200000000000000" pitchFamily="34" charset="-128"/>
+                <a:ea typeface="小塚ゴシック Pr6N EL" panose="020B0200000000000000" pitchFamily="34" charset="-128"/>
+              </a:rPr>
+              <a:t>結果</a:t>
+            </a:r>
+            <a:r>
+              <a:rPr lang="ja-JP" altLang="en-US" sz="3200" dirty="0" smtClean="0">
+                <a:latin typeface="小塚ゴシック Pr6N EL" panose="020B0200000000000000" pitchFamily="34" charset="-128"/>
+                <a:ea typeface="小塚ゴシック Pr6N EL" panose="020B0200000000000000" pitchFamily="34" charset="-128"/>
+              </a:rPr>
+              <a:t>は以下の通り↓</a:t>
+            </a:r>
             <a:endParaRPr lang="en-US" altLang="ja-JP" sz="3200" dirty="0" smtClean="0">
               <a:latin typeface="小塚ゴシック Pr6N EL" panose="020B0200000000000000" pitchFamily="34" charset="-128"/>
               <a:ea typeface="小塚ゴシック Pr6N EL" panose="020B0200000000000000" pitchFamily="34" charset="-128"/>
             </a:endParaRPr>
           </a:p>
           <a:p>
-            <a:r>
-              <a:rPr lang="ja-JP" altLang="en-US" sz="3200" dirty="0">
-                <a:latin typeface="小塚ゴシック Pr6N EL" panose="020B0200000000000000" pitchFamily="34" charset="-128"/>
-                <a:ea typeface="小塚ゴシック Pr6N EL" panose="020B0200000000000000" pitchFamily="34" charset="-128"/>
-              </a:rPr>
-              <a:t>　</a:t>
-            </a:r>
-            <a:r>
-              <a:rPr lang="ja-JP" altLang="en-US" sz="3200" dirty="0" smtClean="0">
-                <a:latin typeface="小塚ゴシック Pr6N EL" panose="020B0200000000000000" pitchFamily="34" charset="-128"/>
-                <a:ea typeface="小塚ゴシック Pr6N EL" panose="020B0200000000000000" pitchFamily="34" charset="-128"/>
-              </a:rPr>
-              <a:t>学習データ</a:t>
-            </a:r>
-            <a:r>
-              <a:rPr lang="en-US" altLang="ja-JP" sz="3200" dirty="0" smtClean="0">
-                <a:latin typeface="小塚ゴシック Pr6N EL" panose="020B0200000000000000" pitchFamily="34" charset="-128"/>
-                <a:ea typeface="小塚ゴシック Pr6N EL" panose="020B0200000000000000" pitchFamily="34" charset="-128"/>
-              </a:rPr>
-              <a:t>…349</a:t>
-            </a:r>
-            <a:r>
-              <a:rPr lang="ja-JP" altLang="en-US" sz="3200" dirty="0" smtClean="0">
-                <a:latin typeface="小塚ゴシック Pr6N EL" panose="020B0200000000000000" pitchFamily="34" charset="-128"/>
-                <a:ea typeface="小塚ゴシック Pr6N EL" panose="020B0200000000000000" pitchFamily="34" charset="-128"/>
-              </a:rPr>
-              <a:t>枚</a:t>
-            </a:r>
+            <a:endParaRPr lang="en-US" altLang="ja-JP" sz="3200" dirty="0">
+              <a:latin typeface="小塚ゴシック Pr6N EL" panose="020B0200000000000000" pitchFamily="34" charset="-128"/>
+              <a:ea typeface="小塚ゴシック Pr6N EL" panose="020B0200000000000000" pitchFamily="34" charset="-128"/>
+            </a:endParaRPr>
+          </a:p>
+          <a:p>
             <a:endParaRPr lang="en-US" altLang="ja-JP" sz="3200" dirty="0" smtClean="0">
               <a:latin typeface="小塚ゴシック Pr6N EL" panose="020B0200000000000000" pitchFamily="34" charset="-128"/>
               <a:ea typeface="小塚ゴシック Pr6N EL" panose="020B0200000000000000" pitchFamily="34" charset="-128"/>
             </a:endParaRPr>
           </a:p>
           <a:p>
-            <a:r>
-              <a:rPr lang="ja-JP" altLang="en-US" sz="3200" dirty="0" smtClean="0">
-                <a:latin typeface="小塚ゴシック Pr6N EL" panose="020B0200000000000000" pitchFamily="34" charset="-128"/>
-                <a:ea typeface="小塚ゴシック Pr6N EL" panose="020B0200000000000000" pitchFamily="34" charset="-128"/>
-              </a:rPr>
-              <a:t>　結果は以下の通り↓</a:t>
-            </a:r>
+            <a:endParaRPr lang="en-US" altLang="ja-JP" sz="3200" dirty="0">
+              <a:latin typeface="小塚ゴシック Pr6N EL" panose="020B0200000000000000" pitchFamily="34" charset="-128"/>
+              <a:ea typeface="小塚ゴシック Pr6N EL" panose="020B0200000000000000" pitchFamily="34" charset="-128"/>
+            </a:endParaRPr>
+          </a:p>
+          <a:p>
             <a:endParaRPr lang="en-US" altLang="ja-JP" sz="3200" dirty="0" smtClean="0">
               <a:latin typeface="小塚ゴシック Pr6N EL" panose="020B0200000000000000" pitchFamily="34" charset="-128"/>
               <a:ea typeface="小塚ゴシック Pr6N EL" panose="020B0200000000000000" pitchFamily="34" charset="-128"/>
@@ -7613,43 +7602,23 @@
             </a:endParaRPr>
           </a:p>
           <a:p>
-            <a:endParaRPr lang="en-US" altLang="ja-JP" sz="3200" dirty="0">
-              <a:latin typeface="小塚ゴシック Pr6N EL" panose="020B0200000000000000" pitchFamily="34" charset="-128"/>
-              <a:ea typeface="小塚ゴシック Pr6N EL" panose="020B0200000000000000" pitchFamily="34" charset="-128"/>
-            </a:endParaRPr>
-          </a:p>
-          <a:p>
-            <a:endParaRPr lang="en-US" altLang="ja-JP" sz="3200" dirty="0" smtClean="0">
-              <a:latin typeface="小塚ゴシック Pr6N EL" panose="020B0200000000000000" pitchFamily="34" charset="-128"/>
-              <a:ea typeface="小塚ゴシック Pr6N EL" panose="020B0200000000000000" pitchFamily="34" charset="-128"/>
-            </a:endParaRPr>
-          </a:p>
-          <a:p>
-            <a:endParaRPr lang="en-US" altLang="ja-JP" sz="3200" dirty="0">
-              <a:latin typeface="小塚ゴシック Pr6N EL" panose="020B0200000000000000" pitchFamily="34" charset="-128"/>
-              <a:ea typeface="小塚ゴシック Pr6N EL" panose="020B0200000000000000" pitchFamily="34" charset="-128"/>
-            </a:endParaRPr>
-          </a:p>
-          <a:p>
-            <a:endParaRPr lang="en-US" altLang="ja-JP" sz="3200" dirty="0" smtClean="0">
-              <a:latin typeface="小塚ゴシック Pr6N EL" panose="020B0200000000000000" pitchFamily="34" charset="-128"/>
-              <a:ea typeface="小塚ゴシック Pr6N EL" panose="020B0200000000000000" pitchFamily="34" charset="-128"/>
-            </a:endParaRPr>
-          </a:p>
-          <a:p>
-            <a:r>
-              <a:rPr lang="ja-JP" altLang="en-US" sz="3200" dirty="0">
-                <a:latin typeface="小塚ゴシック Pr6N EL" panose="020B0200000000000000" pitchFamily="34" charset="-128"/>
-                <a:ea typeface="小塚ゴシック Pr6N EL" panose="020B0200000000000000" pitchFamily="34" charset="-128"/>
-              </a:rPr>
-              <a:t>　</a:t>
-            </a:r>
+            <a:pPr marL="457200" indent="-457200">
+              <a:buFont typeface="小塚ゴシック Pr6N EL" panose="020B0200000000000000" pitchFamily="34" charset="-128"/>
+              <a:buChar char=" "/>
+            </a:pPr>
             <a:r>
               <a:rPr lang="ja-JP" altLang="en-US" sz="3600" dirty="0" smtClean="0">
                 <a:latin typeface="小塚ゴシック Pr6N EL" panose="020B0200000000000000" pitchFamily="34" charset="-128"/>
                 <a:ea typeface="小塚ゴシック Pr6N EL" panose="020B0200000000000000" pitchFamily="34" charset="-128"/>
               </a:rPr>
-              <a:t>年代のばらつきがひどく</a:t>
+              <a:t>年代</a:t>
+            </a:r>
+            <a:r>
+              <a:rPr lang="ja-JP" altLang="en-US" sz="3600" dirty="0" smtClean="0">
+                <a:latin typeface="小塚ゴシック Pr6N EL" panose="020B0200000000000000" pitchFamily="34" charset="-128"/>
+                <a:ea typeface="小塚ゴシック Pr6N EL" panose="020B0200000000000000" pitchFamily="34" charset="-128"/>
+              </a:rPr>
+              <a:t>のばらつきがひどく</a:t>
             </a:r>
             <a:endParaRPr lang="en-US" altLang="ja-JP" sz="3600" dirty="0" smtClean="0">
               <a:latin typeface="小塚ゴシック Pr6N EL" panose="020B0200000000000000" pitchFamily="34" charset="-128"/>
@@ -7657,19 +7626,23 @@
             </a:endParaRPr>
           </a:p>
           <a:p>
-            <a:r>
-              <a:rPr lang="ja-JP" altLang="en-US" sz="3600" dirty="0">
-                <a:latin typeface="小塚ゴシック Pr6N EL" panose="020B0200000000000000" pitchFamily="34" charset="-128"/>
-                <a:ea typeface="小塚ゴシック Pr6N EL" panose="020B0200000000000000" pitchFamily="34" charset="-128"/>
-              </a:rPr>
-              <a:t>　</a:t>
-            </a:r>
+            <a:pPr marL="571500" indent="-571500">
+              <a:buFont typeface="小塚ゴシック Pr6N EL" panose="020B0200000000000000" pitchFamily="34" charset="-128"/>
+              <a:buChar char=" "/>
+            </a:pPr>
             <a:r>
               <a:rPr lang="ja-JP" altLang="en-US" sz="3600" dirty="0" smtClean="0">
                 <a:latin typeface="小塚ゴシック Pr6N EL" panose="020B0200000000000000" pitchFamily="34" charset="-128"/>
                 <a:ea typeface="小塚ゴシック Pr6N EL" panose="020B0200000000000000" pitchFamily="34" charset="-128"/>
               </a:rPr>
-              <a:t>正解とは程遠かった</a:t>
+              <a:t>正解</a:t>
+            </a:r>
+            <a:r>
+              <a:rPr lang="ja-JP" altLang="en-US" sz="3600" dirty="0" smtClean="0">
+                <a:latin typeface="小塚ゴシック Pr6N EL" panose="020B0200000000000000" pitchFamily="34" charset="-128"/>
+                <a:ea typeface="小塚ゴシック Pr6N EL" panose="020B0200000000000000" pitchFamily="34" charset="-128"/>
+              </a:rPr>
+              <a:t>とは程遠かった</a:t>
             </a:r>
             <a:endParaRPr lang="en-US" altLang="ja-JP" sz="3600" dirty="0" smtClean="0">
               <a:latin typeface="小塚ゴシック Pr6N EL" panose="020B0200000000000000" pitchFamily="34" charset="-128"/>
@@ -7772,12 +7745,37 @@
           </a:bodyPr>
           <a:lstStyle/>
           <a:p>
+            <a:pPr marL="457200" indent="-457200">
+              <a:buFont typeface="Arial" panose="020B0604020202020204" pitchFamily="34" charset="0"/>
+              <a:buChar char="•"/>
+            </a:pPr>
             <a:r>
               <a:rPr kumimoji="1" lang="ja-JP" altLang="en-US" sz="3200" dirty="0" smtClean="0">
                 <a:latin typeface="小塚ゴシック Pr6N EL" panose="020B0200000000000000" pitchFamily="34" charset="-128"/>
                 <a:ea typeface="小塚ゴシック Pr6N EL" panose="020B0200000000000000" pitchFamily="34" charset="-128"/>
               </a:rPr>
-              <a:t>・画像の収集を続け，訓練デー　</a:t>
+              <a:t>画像</a:t>
+            </a:r>
+            <a:r>
+              <a:rPr kumimoji="1" lang="ja-JP" altLang="en-US" sz="3200" dirty="0" smtClean="0">
+                <a:latin typeface="小塚ゴシック Pr6N EL" panose="020B0200000000000000" pitchFamily="34" charset="-128"/>
+                <a:ea typeface="小塚ゴシック Pr6N EL" panose="020B0200000000000000" pitchFamily="34" charset="-128"/>
+              </a:rPr>
+              <a:t>の収集を続け，訓練デー　</a:t>
+            </a:r>
+            <a:r>
+              <a:rPr kumimoji="1" lang="ja-JP" altLang="en-US" sz="3200" dirty="0" smtClean="0">
+                <a:latin typeface="小塚ゴシック Pr6N EL" panose="020B0200000000000000" pitchFamily="34" charset="-128"/>
+                <a:ea typeface="小塚ゴシック Pr6N EL" panose="020B0200000000000000" pitchFamily="34" charset="-128"/>
+              </a:rPr>
+              <a:t>タ</a:t>
+            </a:r>
+            <a:r>
+              <a:rPr kumimoji="1" lang="ja-JP" altLang="en-US" sz="3200" dirty="0" smtClean="0">
+                <a:latin typeface="小塚ゴシック Pr6N EL" panose="020B0200000000000000" pitchFamily="34" charset="-128"/>
+                <a:ea typeface="小塚ゴシック Pr6N EL" panose="020B0200000000000000" pitchFamily="34" charset="-128"/>
+              </a:rPr>
+              <a:t>を増やす</a:t>
             </a:r>
             <a:endParaRPr kumimoji="1" lang="en-US" altLang="ja-JP" sz="3200" dirty="0" smtClean="0">
               <a:latin typeface="小塚ゴシック Pr6N EL" panose="020B0200000000000000" pitchFamily="34" charset="-128"/>
@@ -7785,32 +7783,37 @@
             </a:endParaRPr>
           </a:p>
           <a:p>
-            <a:r>
-              <a:rPr lang="ja-JP" altLang="en-US" sz="3200" dirty="0">
-                <a:latin typeface="小塚ゴシック Pr6N EL" panose="020B0200000000000000" pitchFamily="34" charset="-128"/>
-                <a:ea typeface="小塚ゴシック Pr6N EL" panose="020B0200000000000000" pitchFamily="34" charset="-128"/>
-              </a:rPr>
-              <a:t>　</a:t>
-            </a:r>
-            <a:r>
-              <a:rPr kumimoji="1" lang="ja-JP" altLang="en-US" sz="3200" dirty="0" smtClean="0">
-                <a:latin typeface="小塚ゴシック Pr6N EL" panose="020B0200000000000000" pitchFamily="34" charset="-128"/>
-                <a:ea typeface="小塚ゴシック Pr6N EL" panose="020B0200000000000000" pitchFamily="34" charset="-128"/>
-              </a:rPr>
-              <a:t>タを増やす</a:t>
-            </a:r>
-            <a:endParaRPr kumimoji="1" lang="en-US" altLang="ja-JP" sz="3200" dirty="0" smtClean="0">
-              <a:latin typeface="小塚ゴシック Pr6N EL" panose="020B0200000000000000" pitchFamily="34" charset="-128"/>
-              <a:ea typeface="小塚ゴシック Pr6N EL" panose="020B0200000000000000" pitchFamily="34" charset="-128"/>
-            </a:endParaRPr>
-          </a:p>
-          <a:p>
+            <a:pPr marL="457200" indent="-457200">
+              <a:buFont typeface="Arial" panose="020B0604020202020204" pitchFamily="34" charset="0"/>
+              <a:buChar char="•"/>
+            </a:pPr>
             <a:r>
               <a:rPr lang="ja-JP" altLang="en-US" sz="3200" dirty="0" smtClean="0">
                 <a:latin typeface="小塚ゴシック Pr6N EL" panose="020B0200000000000000" pitchFamily="34" charset="-128"/>
                 <a:ea typeface="小塚ゴシック Pr6N EL" panose="020B0200000000000000" pitchFamily="34" charset="-128"/>
               </a:rPr>
-              <a:t>・画像のリサイズを洗練させ，　</a:t>
+              <a:t>画像</a:t>
+            </a:r>
+            <a:r>
+              <a:rPr lang="ja-JP" altLang="en-US" sz="3200" dirty="0" smtClean="0">
+                <a:latin typeface="小塚ゴシック Pr6N EL" panose="020B0200000000000000" pitchFamily="34" charset="-128"/>
+                <a:ea typeface="小塚ゴシック Pr6N EL" panose="020B0200000000000000" pitchFamily="34" charset="-128"/>
+              </a:rPr>
+              <a:t>のリサイズを洗練させ，　</a:t>
+            </a:r>
+            <a:r>
+              <a:rPr lang="ja-JP" altLang="en-US" sz="3200" dirty="0" smtClean="0">
+                <a:latin typeface="小塚ゴシック Pr6N EL" panose="020B0200000000000000" pitchFamily="34" charset="-128"/>
+                <a:ea typeface="小塚ゴシック Pr6N EL" panose="020B0200000000000000" pitchFamily="34" charset="-128"/>
+              </a:rPr>
+              <a:t>解析</a:t>
+            </a:r>
+            <a:r>
+              <a:rPr lang="ja-JP" altLang="en-US" sz="3200" dirty="0" smtClean="0">
+                <a:latin typeface="小塚ゴシック Pr6N EL" panose="020B0200000000000000" pitchFamily="34" charset="-128"/>
+                <a:ea typeface="小塚ゴシック Pr6N EL" panose="020B0200000000000000" pitchFamily="34" charset="-128"/>
+              </a:rPr>
+              <a:t>の効率を向上させる</a:t>
             </a:r>
             <a:endParaRPr lang="en-US" altLang="ja-JP" sz="3200" dirty="0" smtClean="0">
               <a:latin typeface="小塚ゴシック Pr6N EL" panose="020B0200000000000000" pitchFamily="34" charset="-128"/>
@@ -7818,52 +7821,37 @@
             </a:endParaRPr>
           </a:p>
           <a:p>
-            <a:r>
-              <a:rPr lang="ja-JP" altLang="en-US" sz="3200" dirty="0">
-                <a:latin typeface="小塚ゴシック Pr6N EL" panose="020B0200000000000000" pitchFamily="34" charset="-128"/>
-                <a:ea typeface="小塚ゴシック Pr6N EL" panose="020B0200000000000000" pitchFamily="34" charset="-128"/>
-              </a:rPr>
-              <a:t>　</a:t>
-            </a:r>
+            <a:pPr marL="457200" indent="-457200">
+              <a:buFont typeface="Arial" panose="020B0604020202020204" pitchFamily="34" charset="0"/>
+              <a:buChar char="•"/>
+            </a:pPr>
             <a:r>
               <a:rPr lang="ja-JP" altLang="en-US" sz="3200" dirty="0" smtClean="0">
                 <a:latin typeface="小塚ゴシック Pr6N EL" panose="020B0200000000000000" pitchFamily="34" charset="-128"/>
                 <a:ea typeface="小塚ゴシック Pr6N EL" panose="020B0200000000000000" pitchFamily="34" charset="-128"/>
               </a:rPr>
-              <a:t>解析の効率を向上させる</a:t>
-            </a:r>
-            <a:endParaRPr lang="en-US" altLang="ja-JP" sz="3200" dirty="0" smtClean="0">
-              <a:latin typeface="小塚ゴシック Pr6N EL" panose="020B0200000000000000" pitchFamily="34" charset="-128"/>
-              <a:ea typeface="小塚ゴシック Pr6N EL" panose="020B0200000000000000" pitchFamily="34" charset="-128"/>
-            </a:endParaRPr>
-          </a:p>
-          <a:p>
+              <a:t>別</a:t>
+            </a:r>
             <a:r>
               <a:rPr lang="ja-JP" altLang="en-US" sz="3200" dirty="0" smtClean="0">
                 <a:latin typeface="小塚ゴシック Pr6N EL" panose="020B0200000000000000" pitchFamily="34" charset="-128"/>
                 <a:ea typeface="小塚ゴシック Pr6N EL" panose="020B0200000000000000" pitchFamily="34" charset="-128"/>
               </a:rPr>
-              <a:t>・別の機械学習ライブラリを使</a:t>
-            </a:r>
-            <a:endParaRPr lang="en-US" altLang="ja-JP" sz="3200" dirty="0" smtClean="0">
-              <a:latin typeface="小塚ゴシック Pr6N EL" panose="020B0200000000000000" pitchFamily="34" charset="-128"/>
-              <a:ea typeface="小塚ゴシック Pr6N EL" panose="020B0200000000000000" pitchFamily="34" charset="-128"/>
-            </a:endParaRPr>
-          </a:p>
-          <a:p>
-            <a:r>
-              <a:rPr lang="ja-JP" altLang="en-US" sz="3200" dirty="0">
+              <a:t>の機械学習ライブラリを</a:t>
+            </a:r>
+            <a:r>
+              <a:rPr lang="ja-JP" altLang="en-US" sz="3200" dirty="0" smtClean="0">
                 <a:latin typeface="小塚ゴシック Pr6N EL" panose="020B0200000000000000" pitchFamily="34" charset="-128"/>
                 <a:ea typeface="小塚ゴシック Pr6N EL" panose="020B0200000000000000" pitchFamily="34" charset="-128"/>
               </a:rPr>
-              <a:t>　</a:t>
-            </a:r>
-            <a:r>
-              <a:rPr lang="ja-JP" altLang="en-US" sz="3200" dirty="0" err="1" smtClean="0">
+              <a:t>使用</a:t>
+            </a:r>
+            <a:r>
+              <a:rPr lang="ja-JP" altLang="en-US" sz="3200" dirty="0" smtClean="0">
                 <a:latin typeface="小塚ゴシック Pr6N EL" panose="020B0200000000000000" pitchFamily="34" charset="-128"/>
                 <a:ea typeface="小塚ゴシック Pr6N EL" panose="020B0200000000000000" pitchFamily="34" charset="-128"/>
               </a:rPr>
-              <a:t>用する</a:t>
+              <a:t>する</a:t>
             </a:r>
             <a:endParaRPr lang="en-US" altLang="ja-JP" sz="3200" dirty="0" smtClean="0">
               <a:latin typeface="小塚ゴシック Pr6N EL" panose="020B0200000000000000" pitchFamily="34" charset="-128"/>
@@ -7894,7 +7882,7 @@
         </p:blipFill>
         <p:spPr>
           <a:xfrm>
-            <a:off x="15701729" y="27201629"/>
+            <a:off x="15701729" y="27520568"/>
             <a:ext cx="4601915" cy="1863836"/>
           </a:xfrm>
           <a:prstGeom prst="rect">
@@ -7924,7 +7912,7 @@
         </p:blipFill>
         <p:spPr>
           <a:xfrm>
-            <a:off x="16496883" y="25065333"/>
+            <a:off x="16496883" y="25281492"/>
             <a:ext cx="3042480" cy="1653337"/>
           </a:xfrm>
           <a:prstGeom prst="rect">
@@ -7940,8 +7928,8 @@
         </p:nvSpPr>
         <p:spPr>
           <a:xfrm>
-            <a:off x="15005649" y="25450469"/>
-            <a:ext cx="6115549" cy="3970318"/>
+            <a:off x="15009373" y="25545478"/>
+            <a:ext cx="6115549" cy="4139595"/>
           </a:xfrm>
           <a:prstGeom prst="rect">
             <a:avLst/>
@@ -7972,7 +7960,12 @@
             </a:endParaRPr>
           </a:p>
           <a:p>
-            <a:endParaRPr lang="en-US" altLang="ja-JP" sz="2400" dirty="0" smtClean="0">
+            <a:endParaRPr lang="en-US" altLang="ja-JP" sz="2400" dirty="0">
+              <a:latin typeface="+mn-ea"/>
+            </a:endParaRPr>
+          </a:p>
+          <a:p>
+            <a:endParaRPr lang="en-US" altLang="ja-JP" sz="1050" dirty="0" smtClean="0">
               <a:latin typeface="+mn-ea"/>
             </a:endParaRPr>
           </a:p>

--- a/卒業論文/2016/増田準/中間審査/ポスター.pptx
+++ b/卒業論文/2016/増田準/中間審査/ポスター.pptx
@@ -234,7 +234,7 @@
           <a:p>
             <a:fld id="{210935E7-A51F-4FE3-8E46-E43B536CCFB8}" type="datetimeFigureOut">
               <a:rPr kumimoji="1" lang="ja-JP" altLang="en-US" smtClean="0"/>
-              <a:t>2017/10/9</a:t>
+              <a:t>2017/10/11</a:t>
             </a:fld>
             <a:endParaRPr kumimoji="1" lang="ja-JP" altLang="en-US"/>
           </a:p>
@@ -757,7 +757,7 @@
                 </a:solidFill>
               </a:rPr>
               <a:pPr/>
-              <a:t>2017/10/9</a:t>
+              <a:t>2017/10/11</a:t>
             </a:fld>
             <a:endParaRPr lang="ja-JP" altLang="en-US">
               <a:solidFill>
@@ -996,7 +996,7 @@
                 </a:solidFill>
               </a:rPr>
               <a:pPr/>
-              <a:t>2017/10/9</a:t>
+              <a:t>2017/10/11</a:t>
             </a:fld>
             <a:endParaRPr lang="ja-JP" altLang="en-US">
               <a:solidFill>
@@ -1245,7 +1245,7 @@
                 </a:solidFill>
               </a:rPr>
               <a:pPr/>
-              <a:t>2017/10/9</a:t>
+              <a:t>2017/10/11</a:t>
             </a:fld>
             <a:endParaRPr lang="ja-JP" altLang="en-US">
               <a:solidFill>
@@ -1484,7 +1484,7 @@
                 </a:solidFill>
               </a:rPr>
               <a:pPr/>
-              <a:t>2017/10/9</a:t>
+              <a:t>2017/10/11</a:t>
             </a:fld>
             <a:endParaRPr lang="ja-JP" altLang="en-US">
               <a:solidFill>
@@ -1767,7 +1767,7 @@
                 </a:solidFill>
               </a:rPr>
               <a:pPr/>
-              <a:t>2017/10/9</a:t>
+              <a:t>2017/10/11</a:t>
             </a:fld>
             <a:endParaRPr lang="ja-JP" altLang="en-US">
               <a:solidFill>
@@ -2100,7 +2100,7 @@
                 </a:solidFill>
               </a:rPr>
               <a:pPr/>
-              <a:t>2017/10/9</a:t>
+              <a:t>2017/10/11</a:t>
             </a:fld>
             <a:endParaRPr lang="ja-JP" altLang="en-US">
               <a:solidFill>
@@ -2568,7 +2568,7 @@
                 </a:solidFill>
               </a:rPr>
               <a:pPr/>
-              <a:t>2017/10/9</a:t>
+              <a:t>2017/10/11</a:t>
             </a:fld>
             <a:endParaRPr lang="ja-JP" altLang="en-US">
               <a:solidFill>
@@ -2723,7 +2723,7 @@
                 </a:solidFill>
               </a:rPr>
               <a:pPr/>
-              <a:t>2017/10/9</a:t>
+              <a:t>2017/10/11</a:t>
             </a:fld>
             <a:endParaRPr lang="ja-JP" altLang="en-US">
               <a:solidFill>
@@ -2855,7 +2855,7 @@
                 </a:solidFill>
               </a:rPr>
               <a:pPr/>
-              <a:t>2017/10/9</a:t>
+              <a:t>2017/10/11</a:t>
             </a:fld>
             <a:endParaRPr lang="ja-JP" altLang="en-US">
               <a:solidFill>
@@ -3201,7 +3201,7 @@
                 </a:solidFill>
               </a:rPr>
               <a:pPr/>
-              <a:t>2017/10/9</a:t>
+              <a:t>2017/10/11</a:t>
             </a:fld>
             <a:endParaRPr lang="ja-JP" altLang="en-US">
               <a:solidFill>
@@ -3491,7 +3491,7 @@
                 </a:solidFill>
               </a:rPr>
               <a:pPr/>
-              <a:t>2017/10/9</a:t>
+              <a:t>2017/10/11</a:t>
             </a:fld>
             <a:endParaRPr lang="ja-JP" altLang="en-US">
               <a:solidFill>
@@ -3774,7 +3774,7 @@
                 </a:solidFill>
               </a:rPr>
               <a:pPr defTabSz="2951897"/>
-              <a:t>2017/10/9</a:t>
+              <a:t>2017/10/11</a:t>
             </a:fld>
             <a:endParaRPr lang="ja-JP" altLang="en-US">
               <a:solidFill>
@@ -4306,8 +4306,8 @@
         </p:nvSpPr>
         <p:spPr>
           <a:xfrm>
-            <a:off x="164094" y="10782610"/>
-            <a:ext cx="10374017" cy="4319150"/>
+            <a:off x="205176" y="10782610"/>
+            <a:ext cx="10332935" cy="4319150"/>
           </a:xfrm>
           <a:prstGeom prst="rect">
             <a:avLst/>
@@ -5084,7 +5084,14 @@
                 <a:latin typeface="小塚ゴシック Pr6N EL" panose="020B0200000000000000" pitchFamily="34" charset="-128"/>
                 <a:ea typeface="小塚ゴシック Pr6N EL" panose="020B0200000000000000" pitchFamily="34" charset="-128"/>
               </a:rPr>
-              <a:t>したアルゴリズムである．</a:t>
+              <a:t>したアルゴリズムで</a:t>
+            </a:r>
+            <a:r>
+              <a:rPr lang="ja-JP" altLang="en-US" sz="5400" dirty="0" smtClean="0">
+                <a:latin typeface="小塚ゴシック Pr6N EL" panose="020B0200000000000000" pitchFamily="34" charset="-128"/>
+                <a:ea typeface="小塚ゴシック Pr6N EL" panose="020B0200000000000000" pitchFamily="34" charset="-128"/>
+              </a:rPr>
+              <a:t>ある</a:t>
             </a:r>
             <a:endParaRPr lang="en-US" altLang="ja-JP" sz="5400" dirty="0" smtClean="0">
               <a:latin typeface="小塚ゴシック Pr6N EL" panose="020B0200000000000000" pitchFamily="34" charset="-128"/>
@@ -5102,7 +5109,7 @@
         <p:spPr>
           <a:xfrm>
             <a:off x="132632" y="6590009"/>
-            <a:ext cx="20450272" cy="769441"/>
+            <a:ext cx="20497872" cy="769441"/>
           </a:xfrm>
           <a:prstGeom prst="rect">
             <a:avLst/>
@@ -5148,14 +5155,14 @@
                 <a:latin typeface="小塚ゴシック Pr6N EL" panose="020B0200000000000000" pitchFamily="34" charset="-128"/>
                 <a:ea typeface="小塚ゴシック Pr6N EL" panose="020B0200000000000000" pitchFamily="34" charset="-128"/>
               </a:rPr>
-              <a:t>特徴を積み重ね，出力</a:t>
+              <a:t>特徴を積み重ね</a:t>
             </a:r>
             <a:r>
               <a:rPr lang="ja-JP" altLang="en-US" sz="4400" dirty="0" smtClean="0">
                 <a:latin typeface="小塚ゴシック Pr6N EL" panose="020B0200000000000000" pitchFamily="34" charset="-128"/>
                 <a:ea typeface="小塚ゴシック Pr6N EL" panose="020B0200000000000000" pitchFamily="34" charset="-128"/>
               </a:rPr>
-              <a:t>する．</a:t>
+              <a:t>，その結果を出力する</a:t>
             </a:r>
             <a:endParaRPr lang="en-US" altLang="ja-JP" sz="4400" dirty="0">
               <a:latin typeface="小塚ゴシック Pr6N EL" panose="020B0200000000000000" pitchFamily="34" charset="-128"/>
@@ -6023,8 +6030,8 @@
         </p:nvSpPr>
         <p:spPr>
           <a:xfrm>
-            <a:off x="487903" y="11595576"/>
-            <a:ext cx="10764262" cy="1538883"/>
+            <a:off x="644397" y="11673713"/>
+            <a:ext cx="9413409" cy="2000548"/>
           </a:xfrm>
           <a:prstGeom prst="rect">
             <a:avLst/>
@@ -6037,42 +6044,72 @@
           </a:bodyPr>
           <a:lstStyle/>
           <a:p>
-            <a:r>
-              <a:rPr lang="ja-JP" altLang="en-US" dirty="0"/>
-              <a:t> </a:t>
-            </a:r>
-            <a:r>
-              <a:rPr kumimoji="1" lang="en-US" altLang="ja-JP" sz="4800" dirty="0" smtClean="0"/>
+            <a:pPr algn="ctr"/>
+            <a:r>
+              <a:rPr kumimoji="1" lang="en-US" altLang="ja-JP" sz="3600" dirty="0" smtClean="0"/>
               <a:t>Web</a:t>
             </a:r>
             <a:r>
-              <a:rPr kumimoji="1" lang="ja-JP" altLang="en-US" sz="4800" dirty="0" smtClean="0"/>
-              <a:t>デザインにも</a:t>
-            </a:r>
-            <a:r>
-              <a:rPr lang="ja-JP" altLang="en-US" sz="4800" dirty="0" smtClean="0"/>
+              <a:rPr kumimoji="1" lang="ja-JP" altLang="en-US" sz="3600" dirty="0" smtClean="0"/>
+              <a:t>デザイン</a:t>
+            </a:r>
+            <a:r>
+              <a:rPr kumimoji="1" lang="ja-JP" altLang="en-US" sz="3600" dirty="0" smtClean="0"/>
+              <a:t>には</a:t>
+            </a:r>
+            <a:r>
+              <a:rPr lang="ja-JP" altLang="en-US" sz="3600" dirty="0" smtClean="0"/>
               <a:t>ト</a:t>
             </a:r>
             <a:r>
-              <a:rPr kumimoji="1" lang="ja-JP" altLang="en-US" sz="4800" dirty="0" smtClean="0"/>
-              <a:t>レンドがある？</a:t>
-            </a:r>
-            <a:endParaRPr kumimoji="1" lang="en-US" altLang="ja-JP" sz="4800" dirty="0" smtClean="0"/>
-          </a:p>
-          <a:p>
-            <a:r>
-              <a:rPr lang="ja-JP" altLang="en-US" sz="3600" dirty="0"/>
-              <a:t>　</a:t>
-            </a:r>
-            <a:r>
-              <a:rPr lang="ja-JP" altLang="en-US" sz="3600" dirty="0" smtClean="0"/>
-              <a:t>トレンドとは人間の感性によって成り立つも</a:t>
-            </a:r>
-            <a:r>
-              <a:rPr lang="ja-JP" altLang="en-US" sz="3600" dirty="0"/>
-              <a:t>の</a:t>
-            </a:r>
-            <a:endParaRPr kumimoji="1" lang="ja-JP" altLang="en-US" sz="3600" dirty="0"/>
+              <a:rPr kumimoji="1" lang="ja-JP" altLang="en-US" sz="3600" dirty="0" smtClean="0"/>
+              <a:t>レンド</a:t>
+            </a:r>
+            <a:r>
+              <a:rPr kumimoji="1" lang="ja-JP" altLang="en-US" sz="3600" dirty="0" smtClean="0"/>
+              <a:t>がある？</a:t>
+            </a:r>
+            <a:endParaRPr kumimoji="1" lang="en-US" altLang="ja-JP" sz="3600" dirty="0" smtClean="0"/>
+          </a:p>
+          <a:p>
+            <a:pPr algn="ctr"/>
+            <a:r>
+              <a:rPr lang="ja-JP" altLang="en-US" sz="3200" dirty="0" smtClean="0"/>
+              <a:t>トレンド</a:t>
+            </a:r>
+            <a:r>
+              <a:rPr lang="ja-JP" altLang="en-US" sz="3200" dirty="0" smtClean="0"/>
+              <a:t>とは人間の感性によって成り立つ</a:t>
+            </a:r>
+            <a:r>
+              <a:rPr lang="ja-JP" altLang="en-US" sz="3200" dirty="0" smtClean="0"/>
+              <a:t>ものである</a:t>
+            </a:r>
+            <a:endParaRPr lang="en-US" altLang="ja-JP" sz="3200" dirty="0"/>
+          </a:p>
+          <a:p>
+            <a:pPr algn="ctr"/>
+            <a:r>
+              <a:rPr kumimoji="1" lang="ja-JP" altLang="en-US" sz="2800" dirty="0" smtClean="0"/>
+              <a:t>人間は</a:t>
+            </a:r>
+            <a:r>
+              <a:rPr kumimoji="1" lang="en-US" altLang="ja-JP" sz="2800" dirty="0" smtClean="0"/>
+              <a:t>Web</a:t>
+            </a:r>
+            <a:r>
+              <a:rPr kumimoji="1" lang="ja-JP" altLang="en-US" sz="2800" dirty="0" smtClean="0"/>
+              <a:t>サイトを利用する際に良いか悪いかや，</a:t>
+            </a:r>
+            <a:endParaRPr kumimoji="1" lang="en-US" altLang="ja-JP" sz="2800" dirty="0" smtClean="0"/>
+          </a:p>
+          <a:p>
+            <a:pPr algn="ctr"/>
+            <a:r>
+              <a:rPr kumimoji="1" lang="ja-JP" altLang="en-US" sz="2800" dirty="0" smtClean="0"/>
+              <a:t>新しいか古いかなどを漠然と感じることができる</a:t>
+            </a:r>
+            <a:endParaRPr kumimoji="1" lang="ja-JP" altLang="en-US" sz="2800" dirty="0"/>
           </a:p>
         </p:txBody>
       </p:sp>
@@ -6084,8 +6121,8 @@
         </p:nvSpPr>
         <p:spPr>
           <a:xfrm>
-            <a:off x="762144" y="13118675"/>
-            <a:ext cx="11374017" cy="1754326"/>
+            <a:off x="1847350" y="13653123"/>
+            <a:ext cx="7845459" cy="1323439"/>
           </a:xfrm>
           <a:prstGeom prst="rect">
             <a:avLst/>
@@ -6099,14 +6136,22 @@
           <a:lstStyle/>
           <a:p>
             <a:r>
-              <a:rPr kumimoji="1" lang="ja-JP" altLang="en-US" sz="5400" u="sng" dirty="0" smtClean="0">
+              <a:rPr kumimoji="1" lang="ja-JP" altLang="en-US" sz="4000" u="sng" dirty="0" smtClean="0">
                 <a:solidFill>
                   <a:srgbClr val="001570"/>
                 </a:solidFill>
               </a:rPr>
-              <a:t>→ディープラーニングで人間の</a:t>
-            </a:r>
-            <a:endParaRPr kumimoji="1" lang="en-US" altLang="ja-JP" sz="5400" u="sng" dirty="0" smtClean="0">
+              <a:t>→ディープラーニングで人間</a:t>
+            </a:r>
+            <a:r>
+              <a:rPr kumimoji="1" lang="ja-JP" altLang="en-US" sz="4000" u="sng" dirty="0" smtClean="0">
+                <a:solidFill>
+                  <a:srgbClr val="001570"/>
+                </a:solidFill>
+              </a:rPr>
+              <a:t>の</a:t>
+            </a:r>
+            <a:endParaRPr kumimoji="1" lang="en-US" altLang="ja-JP" sz="4000" u="sng" dirty="0" smtClean="0">
               <a:solidFill>
                 <a:srgbClr val="001570"/>
               </a:solidFill>
@@ -6114,30 +6159,22 @@
           </a:p>
           <a:p>
             <a:r>
-              <a:rPr lang="en-US" altLang="ja-JP" sz="5400" dirty="0">
+              <a:rPr lang="en-US" altLang="ja-JP" sz="4000" dirty="0" smtClean="0">
                 <a:solidFill>
                   <a:srgbClr val="001570"/>
                 </a:solidFill>
               </a:rPr>
-              <a:t> </a:t>
-            </a:r>
-            <a:r>
-              <a:rPr lang="en-US" altLang="ja-JP" sz="5400" dirty="0" smtClean="0">
+              <a:t>    </a:t>
+            </a:r>
+            <a:r>
+              <a:rPr kumimoji="1" lang="ja-JP" altLang="en-US" sz="4000" u="sng" dirty="0" smtClean="0">
                 <a:solidFill>
                   <a:srgbClr val="001570"/>
                 </a:solidFill>
               </a:rPr>
-              <a:t>   </a:t>
-            </a:r>
-            <a:r>
-              <a:rPr kumimoji="1" lang="ja-JP" altLang="en-US" sz="5400" u="sng" dirty="0" smtClean="0">
-                <a:solidFill>
-                  <a:srgbClr val="001570"/>
-                </a:solidFill>
-              </a:rPr>
               <a:t>ように年代を推定できるのか</a:t>
             </a:r>
-            <a:endParaRPr kumimoji="1" lang="ja-JP" altLang="en-US" sz="5400" u="sng" dirty="0">
+            <a:endParaRPr kumimoji="1" lang="ja-JP" altLang="en-US" sz="4000" u="sng" dirty="0">
               <a:solidFill>
                 <a:srgbClr val="001570"/>
               </a:solidFill>
@@ -6391,7 +6428,7 @@
                   <a:srgbClr val="001570"/>
                 </a:solidFill>
               </a:rPr>
-              <a:t>インターネットアーカイブ</a:t>
+              <a:t>インターネットアーカイブにある</a:t>
             </a:r>
             <a:r>
               <a:rPr kumimoji="1" lang="ja-JP" altLang="en-US" sz="4000" dirty="0" smtClean="0">
@@ -6399,7 +6436,31 @@
                   <a:srgbClr val="001570"/>
                 </a:solidFill>
               </a:rPr>
-              <a:t>にある過去</a:t>
+              <a:t>過去</a:t>
+            </a:r>
+            <a:r>
+              <a:rPr lang="ja-JP" altLang="en-US" sz="4000" dirty="0">
+                <a:solidFill>
+                  <a:srgbClr val="001570"/>
+                </a:solidFill>
+              </a:rPr>
+              <a:t>～</a:t>
+            </a:r>
+            <a:r>
+              <a:rPr kumimoji="1" lang="ja-JP" altLang="en-US" sz="4000" dirty="0" smtClean="0">
+                <a:solidFill>
+                  <a:srgbClr val="001570"/>
+                </a:solidFill>
+              </a:rPr>
+              <a:t>現在</a:t>
+            </a:r>
+            <a:r>
+              <a:rPr kumimoji="1" lang="ja-JP" altLang="en-US" sz="4000" dirty="0" smtClean="0">
+                <a:solidFill>
+                  <a:srgbClr val="001570"/>
+                </a:solidFill>
+              </a:rPr>
+              <a:t>の</a:t>
             </a:r>
             <a:r>
               <a:rPr kumimoji="1" lang="en-US" altLang="ja-JP" sz="4000" dirty="0" smtClean="0">
@@ -6407,7 +6468,7 @@
                   <a:srgbClr val="001570"/>
                 </a:solidFill>
               </a:rPr>
-              <a:t>~</a:t>
+              <a:t>Web</a:t>
             </a:r>
             <a:r>
               <a:rPr kumimoji="1" lang="ja-JP" altLang="en-US" sz="4000" dirty="0" smtClean="0">
@@ -6415,15 +6476,15 @@
                   <a:srgbClr val="001570"/>
                 </a:solidFill>
               </a:rPr>
-              <a:t>現在の</a:t>
-            </a:r>
-            <a:r>
-              <a:rPr kumimoji="1" lang="en-US" altLang="ja-JP" sz="4000" dirty="0" smtClean="0">
+              <a:t>ページを複数</a:t>
+            </a:r>
+            <a:r>
+              <a:rPr lang="ja-JP" altLang="en-US" sz="4000" dirty="0">
                 <a:solidFill>
                   <a:srgbClr val="001570"/>
                 </a:solidFill>
               </a:rPr>
-              <a:t>Web</a:t>
+              <a:t>枚</a:t>
             </a:r>
             <a:r>
               <a:rPr kumimoji="1" lang="ja-JP" altLang="en-US" sz="4000" dirty="0" smtClean="0">
@@ -6431,31 +6492,15 @@
                   <a:srgbClr val="001570"/>
                 </a:solidFill>
               </a:rPr>
-              <a:t>ページを複数</a:t>
-            </a:r>
-            <a:r>
-              <a:rPr lang="ja-JP" altLang="en-US" sz="4000" dirty="0">
+              <a:t>キャプチャ</a:t>
+            </a:r>
+            <a:r>
+              <a:rPr lang="ja-JP" altLang="en-US" sz="4000" dirty="0" smtClean="0">
                 <a:solidFill>
                   <a:srgbClr val="001570"/>
                 </a:solidFill>
               </a:rPr>
-              <a:t>枚</a:t>
-            </a:r>
-            <a:r>
-              <a:rPr kumimoji="1" lang="ja-JP" altLang="en-US" sz="4000" dirty="0" smtClean="0">
-                <a:solidFill>
-                  <a:srgbClr val="001570"/>
-                </a:solidFill>
-              </a:rPr>
-              <a:t>キャプチャ</a:t>
-            </a:r>
-            <a:r>
-              <a:rPr lang="ja-JP" altLang="en-US" sz="4000" dirty="0" smtClean="0">
-                <a:solidFill>
-                  <a:srgbClr val="001570"/>
-                </a:solidFill>
-              </a:rPr>
-              <a:t>する．</a:t>
+              <a:t>する</a:t>
             </a:r>
             <a:endParaRPr kumimoji="1" lang="en-US" altLang="ja-JP" sz="4000" dirty="0" smtClean="0">
               <a:solidFill>
@@ -6482,7 +6527,7 @@
                   <a:srgbClr val="001570"/>
                 </a:solidFill>
               </a:rPr>
-              <a:t>ページの画像を年代別</a:t>
+              <a:t>ページの画像を年代別にタグ付けしディープラーニングで学習</a:t>
             </a:r>
             <a:r>
               <a:rPr lang="ja-JP" altLang="en-US" sz="4000" dirty="0" smtClean="0">
@@ -6490,15 +6535,7 @@
                   <a:srgbClr val="001570"/>
                 </a:solidFill>
               </a:rPr>
-              <a:t>にタグ付けしディープラーニング</a:t>
-            </a:r>
-            <a:r>
-              <a:rPr lang="ja-JP" altLang="en-US" sz="4000" dirty="0" smtClean="0">
-                <a:solidFill>
-                  <a:srgbClr val="001570"/>
-                </a:solidFill>
-              </a:rPr>
-              <a:t>で学習する．</a:t>
+              <a:t>する</a:t>
             </a:r>
             <a:endParaRPr lang="en-US" altLang="ja-JP" sz="4000" dirty="0" smtClean="0">
               <a:solidFill>
@@ -6517,7 +6554,15 @@
                   <a:srgbClr val="001570"/>
                 </a:solidFill>
               </a:rPr>
-              <a:t>別</a:t>
+              <a:t>別の</a:t>
+            </a:r>
+            <a:r>
+              <a:rPr kumimoji="1" lang="en-US" altLang="ja-JP" sz="4000" dirty="0" smtClean="0">
+                <a:solidFill>
+                  <a:srgbClr val="001570"/>
+                </a:solidFill>
+              </a:rPr>
+              <a:t>Web</a:t>
             </a:r>
             <a:r>
               <a:rPr kumimoji="1" lang="ja-JP" altLang="en-US" sz="4000" dirty="0" smtClean="0">
@@ -6525,23 +6570,15 @@
                   <a:srgbClr val="001570"/>
                 </a:solidFill>
               </a:rPr>
-              <a:t>の</a:t>
-            </a:r>
-            <a:r>
-              <a:rPr kumimoji="1" lang="en-US" altLang="ja-JP" sz="4000" dirty="0" smtClean="0">
+              <a:t>ページ画像を与え年代を解析</a:t>
+            </a:r>
+            <a:r>
+              <a:rPr kumimoji="1" lang="ja-JP" altLang="en-US" sz="4000" dirty="0" smtClean="0">
                 <a:solidFill>
                   <a:srgbClr val="001570"/>
                 </a:solidFill>
               </a:rPr>
-              <a:t>Web</a:t>
-            </a:r>
-            <a:r>
-              <a:rPr kumimoji="1" lang="ja-JP" altLang="en-US" sz="4000" dirty="0" smtClean="0">
-                <a:solidFill>
-                  <a:srgbClr val="001570"/>
-                </a:solidFill>
-              </a:rPr>
-              <a:t>ページ画像を与え年代を解析する．</a:t>
+              <a:t>する</a:t>
             </a:r>
             <a:endParaRPr kumimoji="1" lang="ja-JP" altLang="en-US" sz="4000" dirty="0">
               <a:solidFill>
@@ -6559,8 +6596,8 @@
         </p:nvSpPr>
         <p:spPr>
           <a:xfrm>
-            <a:off x="180232" y="15205751"/>
-            <a:ext cx="21026336" cy="4114698"/>
+            <a:off x="205176" y="15205751"/>
+            <a:ext cx="21001391" cy="4114698"/>
           </a:xfrm>
           <a:prstGeom prst="rect">
             <a:avLst/>
@@ -6853,14 +6890,7 @@
                 <a:latin typeface="小塚ゴシック Pr6N EL" panose="020B0200000000000000" pitchFamily="34" charset="-128"/>
                 <a:ea typeface="小塚ゴシック Pr6N EL" panose="020B0200000000000000" pitchFamily="34" charset="-128"/>
               </a:rPr>
-              <a:t>ブラウザを自動操作する</a:t>
-            </a:r>
-            <a:r>
-              <a:rPr kumimoji="1" lang="ja-JP" altLang="en-US" sz="3200" dirty="0" smtClean="0">
-                <a:latin typeface="小塚ゴシック Pr6N EL" panose="020B0200000000000000" pitchFamily="34" charset="-128"/>
-                <a:ea typeface="小塚ゴシック Pr6N EL" panose="020B0200000000000000" pitchFamily="34" charset="-128"/>
-              </a:rPr>
-              <a:t>ライブラリ</a:t>
+              <a:t>ブラウザを自動操作するライブラリ</a:t>
             </a:r>
             <a:r>
               <a:rPr lang="en-US" altLang="ja-JP" sz="4000" dirty="0" smtClean="0">
@@ -6874,21 +6904,7 @@
                 <a:latin typeface="小塚ゴシック Pr6N EL" panose="020B0200000000000000" pitchFamily="34" charset="-128"/>
                 <a:ea typeface="小塚ゴシック Pr6N EL" panose="020B0200000000000000" pitchFamily="34" charset="-128"/>
               </a:rPr>
-              <a:t>を用い，スクリーンショット　　</a:t>
-            </a:r>
-            <a:r>
-              <a:rPr lang="ja-JP" altLang="en-US" sz="3200" dirty="0" smtClean="0">
-                <a:latin typeface="小塚ゴシック Pr6N EL" panose="020B0200000000000000" pitchFamily="34" charset="-128"/>
-                <a:ea typeface="小塚ゴシック Pr6N EL" panose="020B0200000000000000" pitchFamily="34" charset="-128"/>
-              </a:rPr>
-              <a:t>を</a:t>
-            </a:r>
-            <a:r>
-              <a:rPr lang="ja-JP" altLang="en-US" sz="3200" dirty="0" smtClean="0">
-                <a:latin typeface="小塚ゴシック Pr6N EL" panose="020B0200000000000000" pitchFamily="34" charset="-128"/>
-                <a:ea typeface="小塚ゴシック Pr6N EL" panose="020B0200000000000000" pitchFamily="34" charset="-128"/>
-              </a:rPr>
-              <a:t>自動化</a:t>
+              <a:t>を用い，スクリーンショット　　を自動化</a:t>
             </a:r>
             <a:endParaRPr lang="en-US" altLang="ja-JP" sz="3200" dirty="0" smtClean="0">
               <a:latin typeface="小塚ゴシック Pr6N EL" panose="020B0200000000000000" pitchFamily="34" charset="-128"/>
@@ -6905,27 +6921,20 @@
                 <a:latin typeface="小塚ゴシック Pr6N EL" panose="020B0200000000000000" pitchFamily="34" charset="-128"/>
                 <a:ea typeface="小塚ゴシック Pr6N EL" panose="020B0200000000000000" pitchFamily="34" charset="-128"/>
               </a:rPr>
-              <a:t>Fortune </a:t>
+              <a:t>Fortune Global 500</a:t>
+            </a:r>
+            <a:r>
+              <a:rPr lang="ja-JP" altLang="en-US" sz="3200" dirty="0">
+                <a:latin typeface="小塚ゴシック Pr6N EL" panose="020B0200000000000000" pitchFamily="34" charset="-128"/>
+                <a:ea typeface="小塚ゴシック Pr6N EL" panose="020B0200000000000000" pitchFamily="34" charset="-128"/>
+              </a:rPr>
+              <a:t> </a:t>
             </a:r>
             <a:r>
               <a:rPr lang="en-US" altLang="ja-JP" sz="3200" dirty="0" smtClean="0">
                 <a:latin typeface="小塚ゴシック Pr6N EL" panose="020B0200000000000000" pitchFamily="34" charset="-128"/>
                 <a:ea typeface="小塚ゴシック Pr6N EL" panose="020B0200000000000000" pitchFamily="34" charset="-128"/>
               </a:rPr>
-              <a:t>Global 500</a:t>
-            </a:r>
-            <a:r>
-              <a:rPr lang="ja-JP" altLang="en-US" sz="3200" dirty="0">
-                <a:latin typeface="小塚ゴシック Pr6N EL" panose="020B0200000000000000" pitchFamily="34" charset="-128"/>
-                <a:ea typeface="小塚ゴシック Pr6N EL" panose="020B0200000000000000" pitchFamily="34" charset="-128"/>
-              </a:rPr>
-              <a:t> </a:t>
-            </a:r>
-            <a:r>
-              <a:rPr lang="en-US" altLang="ja-JP" sz="3200" dirty="0" smtClean="0">
-                <a:latin typeface="小塚ゴシック Pr6N EL" panose="020B0200000000000000" pitchFamily="34" charset="-128"/>
-                <a:ea typeface="小塚ゴシック Pr6N EL" panose="020B0200000000000000" pitchFamily="34" charset="-128"/>
-              </a:rPr>
               <a:t>2017</a:t>
             </a:r>
             <a:r>
@@ -6933,21 +6942,7 @@
                 <a:latin typeface="小塚ゴシック Pr6N EL" panose="020B0200000000000000" pitchFamily="34" charset="-128"/>
                 <a:ea typeface="小塚ゴシック Pr6N EL" panose="020B0200000000000000" pitchFamily="34" charset="-128"/>
               </a:rPr>
-              <a:t>に制定された</a:t>
-            </a:r>
-            <a:r>
-              <a:rPr lang="ja-JP" altLang="en-US" sz="3200" dirty="0" smtClean="0">
-                <a:latin typeface="小塚ゴシック Pr6N EL" panose="020B0200000000000000" pitchFamily="34" charset="-128"/>
-                <a:ea typeface="小塚ゴシック Pr6N EL" panose="020B0200000000000000" pitchFamily="34" charset="-128"/>
-              </a:rPr>
-              <a:t>企業</a:t>
-            </a:r>
-            <a:r>
-              <a:rPr lang="ja-JP" altLang="en-US" sz="3200" dirty="0" smtClean="0">
-                <a:latin typeface="小塚ゴシック Pr6N EL" panose="020B0200000000000000" pitchFamily="34" charset="-128"/>
-                <a:ea typeface="小塚ゴシック Pr6N EL" panose="020B0200000000000000" pitchFamily="34" charset="-128"/>
-              </a:rPr>
-              <a:t>のホームページをリスト化し，取得</a:t>
+              <a:t>に制定された企業のホームページをリスト化し，取得</a:t>
             </a:r>
             <a:endParaRPr lang="en-US" altLang="ja-JP" sz="3200" dirty="0" smtClean="0">
               <a:latin typeface="小塚ゴシック Pr6N EL" panose="020B0200000000000000" pitchFamily="34" charset="-128"/>
@@ -7097,43 +7092,16 @@
                 </a:solidFill>
                 <a:latin typeface="+mn-ea"/>
               </a:rPr>
-              <a:t>キャプチャ</a:t>
-            </a:r>
-            <a:r>
-              <a:rPr kumimoji="1" lang="ja-JP" altLang="en-US" sz="3600" dirty="0" smtClean="0">
+              <a:t>キャプチャのサイズを指定しているが，</a:t>
+            </a:r>
+            <a:r>
+              <a:rPr lang="ja-JP" altLang="en-US" sz="3600" dirty="0" smtClean="0">
                 <a:solidFill>
                   <a:srgbClr val="001570"/>
                 </a:solidFill>
                 <a:latin typeface="+mn-ea"/>
               </a:rPr>
-              <a:t>のサイズを指定しているが</a:t>
-            </a:r>
-            <a:r>
-              <a:rPr kumimoji="1" lang="ja-JP" altLang="en-US" sz="3600" dirty="0" smtClean="0">
-                <a:solidFill>
-                  <a:srgbClr val="001570"/>
-                </a:solidFill>
-                <a:latin typeface="+mn-ea"/>
-              </a:rPr>
-              <a:t>，</a:t>
-            </a:r>
-            <a:r>
-              <a:rPr lang="ja-JP" altLang="en-US" sz="3600" dirty="0" smtClean="0">
-                <a:solidFill>
-                  <a:srgbClr val="001570"/>
-                </a:solidFill>
-                <a:latin typeface="+mn-ea"/>
-              </a:rPr>
-              <a:t>サイズ</a:t>
-            </a:r>
-            <a:r>
-              <a:rPr lang="ja-JP" altLang="en-US" sz="3600" dirty="0" smtClean="0">
-                <a:solidFill>
-                  <a:srgbClr val="001570"/>
-                </a:solidFill>
-                <a:latin typeface="+mn-ea"/>
-              </a:rPr>
-              <a:t>に</a:t>
+              <a:t>サイズに</a:t>
             </a:r>
             <a:r>
               <a:rPr kumimoji="1" lang="ja-JP" altLang="en-US" sz="3600" dirty="0" smtClean="0">
@@ -7175,34 +7143,7 @@
                 </a:solidFill>
                 <a:latin typeface="+mn-ea"/>
               </a:rPr>
-              <a:t>インターネットアーカイブ</a:t>
-            </a:r>
-            <a:r>
-              <a:rPr lang="ja-JP" altLang="en-US" sz="3600" dirty="0" smtClean="0">
-                <a:solidFill>
-                  <a:srgbClr val="001570"/>
-                </a:solidFill>
-                <a:latin typeface="+mn-ea"/>
-              </a:rPr>
-              <a:t>の処理落ち</a:t>
-            </a:r>
-            <a:r>
-              <a:rPr lang="ja-JP" altLang="en-US" sz="3600" dirty="0" smtClean="0">
-                <a:solidFill>
-                  <a:srgbClr val="001570"/>
-                </a:solidFill>
-                <a:latin typeface="+mn-ea"/>
-              </a:rPr>
-              <a:t>による</a:t>
-            </a:r>
-            <a:r>
-              <a:rPr lang="ja-JP" altLang="en-US" sz="3600" dirty="0" smtClean="0">
-                <a:solidFill>
-                  <a:srgbClr val="001570"/>
-                </a:solidFill>
-                <a:latin typeface="+mn-ea"/>
-              </a:rPr>
-              <a:t>エラー画像も複数枚あった</a:t>
+              <a:t>インターネットアーカイブの処理落ちによるエラー画像も複数枚あった</a:t>
             </a:r>
             <a:endParaRPr lang="en-US" altLang="ja-JP" sz="3600" dirty="0">
               <a:solidFill>
@@ -7244,25 +7185,7 @@
                 </a:solidFill>
                 <a:latin typeface="+mn-ea"/>
               </a:rPr>
-              <a:t>の</a:t>
-            </a:r>
-            <a:r>
-              <a:rPr lang="ja-JP" altLang="en-US" sz="3600" dirty="0" smtClean="0">
-                <a:solidFill>
-                  <a:srgbClr val="001570"/>
-                </a:solidFill>
-                <a:latin typeface="+mn-ea"/>
-              </a:rPr>
-              <a:t>エラー画像を</a:t>
-            </a:r>
-            <a:r>
-              <a:rPr lang="ja-JP" altLang="en-US" sz="3600" dirty="0" smtClean="0">
-                <a:solidFill>
-                  <a:srgbClr val="001570"/>
-                </a:solidFill>
-                <a:latin typeface="+mn-ea"/>
-              </a:rPr>
-              <a:t>除き</a:t>
+              <a:t>のエラー画像を除き</a:t>
             </a:r>
             <a:r>
               <a:rPr lang="en-US" altLang="ja-JP" sz="4800" dirty="0" smtClean="0">
@@ -7401,27 +7324,16 @@
               <a:buFont typeface="Arial" panose="020B0604020202020204" pitchFamily="34" charset="0"/>
               <a:buChar char="•"/>
             </a:pPr>
-            <a:r>
-              <a:rPr kumimoji="1" lang="en-US" altLang="ja-JP" sz="3200" dirty="0" smtClean="0">
-                <a:latin typeface="小塚ゴシック Pr6N EL" panose="020B0200000000000000" pitchFamily="34" charset="-128"/>
-                <a:ea typeface="小塚ゴシック Pr6N EL" panose="020B0200000000000000" pitchFamily="34" charset="-128"/>
-              </a:rPr>
-              <a:t>Mathematica</a:t>
-            </a:r>
-            <a:r>
-              <a:rPr kumimoji="1" lang="ja-JP" altLang="en-US" sz="3200" dirty="0" smtClean="0">
-                <a:latin typeface="小塚ゴシック Pr6N EL" panose="020B0200000000000000" pitchFamily="34" charset="-128"/>
-                <a:ea typeface="小塚ゴシック Pr6N EL" panose="020B0200000000000000" pitchFamily="34" charset="-128"/>
-              </a:rPr>
-              <a:t>に</a:t>
-            </a:r>
-            <a:r>
-              <a:rPr kumimoji="1" lang="ja-JP" altLang="en-US" sz="3200" dirty="0" smtClean="0">
-                <a:latin typeface="小塚ゴシック Pr6N EL" panose="020B0200000000000000" pitchFamily="34" charset="-128"/>
-                <a:ea typeface="小塚ゴシック Pr6N EL" panose="020B0200000000000000" pitchFamily="34" charset="-128"/>
-              </a:rPr>
-              <a:t>よる</a:t>
-            </a:r>
+            <a:endParaRPr lang="en-US" altLang="ja-JP" sz="3200" dirty="0">
+              <a:latin typeface="小塚ゴシック Pr6N EL" panose="020B0200000000000000" pitchFamily="34" charset="-128"/>
+              <a:ea typeface="小塚ゴシック Pr6N EL" panose="020B0200000000000000" pitchFamily="34" charset="-128"/>
+            </a:endParaRPr>
+          </a:p>
+          <a:p>
+            <a:pPr marL="457200" indent="-457200">
+              <a:buFont typeface="Arial" panose="020B0604020202020204" pitchFamily="34" charset="0"/>
+              <a:buChar char="•"/>
+            </a:pPr>
             <a:r>
               <a:rPr lang="en-US" altLang="ja-JP" sz="3200" dirty="0" smtClean="0">
                 <a:latin typeface="小塚ゴシック Pr6N EL" panose="020B0200000000000000" pitchFamily="34" charset="-128"/>
@@ -7489,30 +7401,23 @@
                 <a:latin typeface="小塚ゴシック Pr6N EL" panose="020B0200000000000000" pitchFamily="34" charset="-128"/>
                 <a:ea typeface="小塚ゴシック Pr6N EL" panose="020B0200000000000000" pitchFamily="34" charset="-128"/>
               </a:rPr>
-              <a:t>学習</a:t>
+              <a:t>学習データ</a:t>
+            </a:r>
+            <a:r>
+              <a:rPr lang="en-US" altLang="ja-JP" sz="3200" dirty="0" smtClean="0">
+                <a:latin typeface="小塚ゴシック Pr6N EL" panose="020B0200000000000000" pitchFamily="34" charset="-128"/>
+                <a:ea typeface="小塚ゴシック Pr6N EL" panose="020B0200000000000000" pitchFamily="34" charset="-128"/>
+              </a:rPr>
+              <a:t>…349</a:t>
             </a:r>
             <a:r>
               <a:rPr lang="ja-JP" altLang="en-US" sz="3200" dirty="0" smtClean="0">
                 <a:latin typeface="小塚ゴシック Pr6N EL" panose="020B0200000000000000" pitchFamily="34" charset="-128"/>
                 <a:ea typeface="小塚ゴシック Pr6N EL" panose="020B0200000000000000" pitchFamily="34" charset="-128"/>
               </a:rPr>
-              <a:t>データ</a:t>
-            </a:r>
-            <a:r>
-              <a:rPr lang="en-US" altLang="ja-JP" sz="3200" dirty="0" smtClean="0">
-                <a:latin typeface="小塚ゴシック Pr6N EL" panose="020B0200000000000000" pitchFamily="34" charset="-128"/>
-                <a:ea typeface="小塚ゴシック Pr6N EL" panose="020B0200000000000000" pitchFamily="34" charset="-128"/>
-              </a:rPr>
-              <a:t>…349</a:t>
-            </a:r>
-            <a:r>
-              <a:rPr lang="ja-JP" altLang="en-US" sz="3200" dirty="0" smtClean="0">
-                <a:latin typeface="小塚ゴシック Pr6N EL" panose="020B0200000000000000" pitchFamily="34" charset="-128"/>
-                <a:ea typeface="小塚ゴシック Pr6N EL" panose="020B0200000000000000" pitchFamily="34" charset="-128"/>
-              </a:rPr>
               <a:t>枚</a:t>
             </a:r>
-            <a:endParaRPr lang="en-US" altLang="ja-JP" sz="3200" dirty="0">
+            <a:endParaRPr lang="en-US" altLang="ja-JP" sz="3200" dirty="0" smtClean="0">
               <a:latin typeface="小塚ゴシック Pr6N EL" panose="020B0200000000000000" pitchFamily="34" charset="-128"/>
               <a:ea typeface="小塚ゴシック Pr6N EL" panose="020B0200000000000000" pitchFamily="34" charset="-128"/>
             </a:endParaRPr>
@@ -7522,81 +7427,7 @@
               <a:buFont typeface="小塚ゴシック Pr6N EL" panose="020B0200000000000000" pitchFamily="34" charset="-128"/>
               <a:buChar char=" "/>
             </a:pPr>
-            <a:r>
-              <a:rPr lang="ja-JP" altLang="en-US" sz="3200" dirty="0" smtClean="0">
-                <a:latin typeface="小塚ゴシック Pr6N EL" panose="020B0200000000000000" pitchFamily="34" charset="-128"/>
-                <a:ea typeface="小塚ゴシック Pr6N EL" panose="020B0200000000000000" pitchFamily="34" charset="-128"/>
-              </a:rPr>
-              <a:t>結果</a:t>
-            </a:r>
-            <a:r>
-              <a:rPr lang="ja-JP" altLang="en-US" sz="3200" dirty="0" smtClean="0">
-                <a:latin typeface="小塚ゴシック Pr6N EL" panose="020B0200000000000000" pitchFamily="34" charset="-128"/>
-                <a:ea typeface="小塚ゴシック Pr6N EL" panose="020B0200000000000000" pitchFamily="34" charset="-128"/>
-              </a:rPr>
-              <a:t>は以下の通り↓</a:t>
-            </a:r>
-            <a:endParaRPr lang="en-US" altLang="ja-JP" sz="3200" dirty="0" smtClean="0">
-              <a:latin typeface="小塚ゴシック Pr6N EL" panose="020B0200000000000000" pitchFamily="34" charset="-128"/>
-              <a:ea typeface="小塚ゴシック Pr6N EL" panose="020B0200000000000000" pitchFamily="34" charset="-128"/>
-            </a:endParaRPr>
-          </a:p>
-          <a:p>
-            <a:endParaRPr lang="en-US" altLang="ja-JP" sz="3200" dirty="0">
-              <a:latin typeface="小塚ゴシック Pr6N EL" panose="020B0200000000000000" pitchFamily="34" charset="-128"/>
-              <a:ea typeface="小塚ゴシック Pr6N EL" panose="020B0200000000000000" pitchFamily="34" charset="-128"/>
-            </a:endParaRPr>
-          </a:p>
-          <a:p>
-            <a:endParaRPr lang="en-US" altLang="ja-JP" sz="3200" dirty="0" smtClean="0">
-              <a:latin typeface="小塚ゴシック Pr6N EL" panose="020B0200000000000000" pitchFamily="34" charset="-128"/>
-              <a:ea typeface="小塚ゴシック Pr6N EL" panose="020B0200000000000000" pitchFamily="34" charset="-128"/>
-            </a:endParaRPr>
-          </a:p>
-          <a:p>
-            <a:endParaRPr lang="en-US" altLang="ja-JP" sz="3200" dirty="0">
-              <a:latin typeface="小塚ゴシック Pr6N EL" panose="020B0200000000000000" pitchFamily="34" charset="-128"/>
-              <a:ea typeface="小塚ゴシック Pr6N EL" panose="020B0200000000000000" pitchFamily="34" charset="-128"/>
-            </a:endParaRPr>
-          </a:p>
-          <a:p>
-            <a:endParaRPr lang="en-US" altLang="ja-JP" sz="3200" dirty="0" smtClean="0">
-              <a:latin typeface="小塚ゴシック Pr6N EL" panose="020B0200000000000000" pitchFamily="34" charset="-128"/>
-              <a:ea typeface="小塚ゴシック Pr6N EL" panose="020B0200000000000000" pitchFamily="34" charset="-128"/>
-            </a:endParaRPr>
-          </a:p>
-          <a:p>
-            <a:endParaRPr lang="en-US" altLang="ja-JP" sz="3200" dirty="0">
-              <a:latin typeface="小塚ゴシック Pr6N EL" panose="020B0200000000000000" pitchFamily="34" charset="-128"/>
-              <a:ea typeface="小塚ゴシック Pr6N EL" panose="020B0200000000000000" pitchFamily="34" charset="-128"/>
-            </a:endParaRPr>
-          </a:p>
-          <a:p>
-            <a:endParaRPr lang="en-US" altLang="ja-JP" sz="3200" dirty="0" smtClean="0">
-              <a:latin typeface="小塚ゴシック Pr6N EL" panose="020B0200000000000000" pitchFamily="34" charset="-128"/>
-              <a:ea typeface="小塚ゴシック Pr6N EL" panose="020B0200000000000000" pitchFamily="34" charset="-128"/>
-            </a:endParaRPr>
-          </a:p>
-          <a:p>
-            <a:endParaRPr lang="en-US" altLang="ja-JP" sz="3200" dirty="0">
-              <a:latin typeface="小塚ゴシック Pr6N EL" panose="020B0200000000000000" pitchFamily="34" charset="-128"/>
-              <a:ea typeface="小塚ゴシック Pr6N EL" panose="020B0200000000000000" pitchFamily="34" charset="-128"/>
-            </a:endParaRPr>
-          </a:p>
-          <a:p>
-            <a:endParaRPr lang="en-US" altLang="ja-JP" sz="3200" dirty="0" smtClean="0">
-              <a:latin typeface="小塚ゴシック Pr6N EL" panose="020B0200000000000000" pitchFamily="34" charset="-128"/>
-              <a:ea typeface="小塚ゴシック Pr6N EL" panose="020B0200000000000000" pitchFamily="34" charset="-128"/>
-            </a:endParaRPr>
-          </a:p>
-          <a:p>
-            <a:endParaRPr lang="en-US" altLang="ja-JP" sz="3200" dirty="0">
-              <a:latin typeface="小塚ゴシック Pr6N EL" panose="020B0200000000000000" pitchFamily="34" charset="-128"/>
-              <a:ea typeface="小塚ゴシック Pr6N EL" panose="020B0200000000000000" pitchFamily="34" charset="-128"/>
-            </a:endParaRPr>
-          </a:p>
-          <a:p>
-            <a:endParaRPr lang="en-US" altLang="ja-JP" sz="3200" dirty="0" smtClean="0">
+            <a:endParaRPr lang="en-US" altLang="ja-JP" sz="1800" dirty="0">
               <a:latin typeface="小塚ゴシック Pr6N EL" panose="020B0200000000000000" pitchFamily="34" charset="-128"/>
               <a:ea typeface="小塚ゴシック Pr6N EL" panose="020B0200000000000000" pitchFamily="34" charset="-128"/>
             </a:endParaRPr>
@@ -7607,18 +7438,82 @@
               <a:buChar char=" "/>
             </a:pPr>
             <a:r>
+              <a:rPr lang="ja-JP" altLang="en-US" sz="3200" dirty="0" smtClean="0">
+                <a:latin typeface="小塚ゴシック Pr6N EL" panose="020B0200000000000000" pitchFamily="34" charset="-128"/>
+                <a:ea typeface="小塚ゴシック Pr6N EL" panose="020B0200000000000000" pitchFamily="34" charset="-128"/>
+              </a:rPr>
+              <a:t>結果は以下の通り↓</a:t>
+            </a:r>
+            <a:endParaRPr lang="en-US" altLang="ja-JP" sz="3200" dirty="0" smtClean="0">
+              <a:latin typeface="小塚ゴシック Pr6N EL" panose="020B0200000000000000" pitchFamily="34" charset="-128"/>
+              <a:ea typeface="小塚ゴシック Pr6N EL" panose="020B0200000000000000" pitchFamily="34" charset="-128"/>
+            </a:endParaRPr>
+          </a:p>
+          <a:p>
+            <a:endParaRPr lang="en-US" altLang="ja-JP" sz="3200" dirty="0">
+              <a:latin typeface="小塚ゴシック Pr6N EL" panose="020B0200000000000000" pitchFamily="34" charset="-128"/>
+              <a:ea typeface="小塚ゴシック Pr6N EL" panose="020B0200000000000000" pitchFamily="34" charset="-128"/>
+            </a:endParaRPr>
+          </a:p>
+          <a:p>
+            <a:endParaRPr lang="en-US" altLang="ja-JP" sz="3200" dirty="0">
+              <a:latin typeface="小塚ゴシック Pr6N EL" panose="020B0200000000000000" pitchFamily="34" charset="-128"/>
+              <a:ea typeface="小塚ゴシック Pr6N EL" panose="020B0200000000000000" pitchFamily="34" charset="-128"/>
+            </a:endParaRPr>
+          </a:p>
+          <a:p>
+            <a:endParaRPr lang="en-US" altLang="ja-JP" sz="3200" dirty="0" smtClean="0">
+              <a:latin typeface="小塚ゴシック Pr6N EL" panose="020B0200000000000000" pitchFamily="34" charset="-128"/>
+              <a:ea typeface="小塚ゴシック Pr6N EL" panose="020B0200000000000000" pitchFamily="34" charset="-128"/>
+            </a:endParaRPr>
+          </a:p>
+          <a:p>
+            <a:endParaRPr lang="en-US" altLang="ja-JP" sz="3200" dirty="0">
+              <a:latin typeface="小塚ゴシック Pr6N EL" panose="020B0200000000000000" pitchFamily="34" charset="-128"/>
+              <a:ea typeface="小塚ゴシック Pr6N EL" panose="020B0200000000000000" pitchFamily="34" charset="-128"/>
+            </a:endParaRPr>
+          </a:p>
+          <a:p>
+            <a:endParaRPr lang="en-US" altLang="ja-JP" sz="3200" dirty="0" smtClean="0">
+              <a:latin typeface="小塚ゴシック Pr6N EL" panose="020B0200000000000000" pitchFamily="34" charset="-128"/>
+              <a:ea typeface="小塚ゴシック Pr6N EL" panose="020B0200000000000000" pitchFamily="34" charset="-128"/>
+            </a:endParaRPr>
+          </a:p>
+          <a:p>
+            <a:endParaRPr lang="en-US" altLang="ja-JP" sz="3200" dirty="0">
+              <a:latin typeface="小塚ゴシック Pr6N EL" panose="020B0200000000000000" pitchFamily="34" charset="-128"/>
+              <a:ea typeface="小塚ゴシック Pr6N EL" panose="020B0200000000000000" pitchFamily="34" charset="-128"/>
+            </a:endParaRPr>
+          </a:p>
+          <a:p>
+            <a:endParaRPr lang="en-US" altLang="ja-JP" sz="3200" dirty="0" smtClean="0">
+              <a:latin typeface="小塚ゴシック Pr6N EL" panose="020B0200000000000000" pitchFamily="34" charset="-128"/>
+              <a:ea typeface="小塚ゴシック Pr6N EL" panose="020B0200000000000000" pitchFamily="34" charset="-128"/>
+            </a:endParaRPr>
+          </a:p>
+          <a:p>
+            <a:endParaRPr lang="en-US" altLang="ja-JP" sz="3200" dirty="0">
+              <a:latin typeface="小塚ゴシック Pr6N EL" panose="020B0200000000000000" pitchFamily="34" charset="-128"/>
+              <a:ea typeface="小塚ゴシック Pr6N EL" panose="020B0200000000000000" pitchFamily="34" charset="-128"/>
+            </a:endParaRPr>
+          </a:p>
+          <a:p>
+            <a:endParaRPr lang="en-US" altLang="ja-JP" sz="3200" dirty="0" smtClean="0">
+              <a:latin typeface="小塚ゴシック Pr6N EL" panose="020B0200000000000000" pitchFamily="34" charset="-128"/>
+              <a:ea typeface="小塚ゴシック Pr6N EL" panose="020B0200000000000000" pitchFamily="34" charset="-128"/>
+            </a:endParaRPr>
+          </a:p>
+          <a:p>
+            <a:pPr marL="457200" indent="-457200">
+              <a:buFont typeface="小塚ゴシック Pr6N EL" panose="020B0200000000000000" pitchFamily="34" charset="-128"/>
+              <a:buChar char=" "/>
+            </a:pPr>
+            <a:r>
               <a:rPr lang="ja-JP" altLang="en-US" sz="3600" dirty="0" smtClean="0">
                 <a:latin typeface="小塚ゴシック Pr6N EL" panose="020B0200000000000000" pitchFamily="34" charset="-128"/>
                 <a:ea typeface="小塚ゴシック Pr6N EL" panose="020B0200000000000000" pitchFamily="34" charset="-128"/>
               </a:rPr>
-              <a:t>年代</a:t>
-            </a:r>
-            <a:r>
-              <a:rPr lang="ja-JP" altLang="en-US" sz="3600" dirty="0" smtClean="0">
-                <a:latin typeface="小塚ゴシック Pr6N EL" panose="020B0200000000000000" pitchFamily="34" charset="-128"/>
-                <a:ea typeface="小塚ゴシック Pr6N EL" panose="020B0200000000000000" pitchFamily="34" charset="-128"/>
-              </a:rPr>
-              <a:t>のばらつきがひどく</a:t>
+              <a:t>年代のばらつきがひどく</a:t>
             </a:r>
             <a:endParaRPr lang="en-US" altLang="ja-JP" sz="3600" dirty="0" smtClean="0">
               <a:latin typeface="小塚ゴシック Pr6N EL" panose="020B0200000000000000" pitchFamily="34" charset="-128"/>
@@ -7635,14 +7530,7 @@
                 <a:latin typeface="小塚ゴシック Pr6N EL" panose="020B0200000000000000" pitchFamily="34" charset="-128"/>
                 <a:ea typeface="小塚ゴシック Pr6N EL" panose="020B0200000000000000" pitchFamily="34" charset="-128"/>
               </a:rPr>
-              <a:t>正解</a:t>
-            </a:r>
-            <a:r>
-              <a:rPr lang="ja-JP" altLang="en-US" sz="3600" dirty="0" smtClean="0">
-                <a:latin typeface="小塚ゴシック Pr6N EL" panose="020B0200000000000000" pitchFamily="34" charset="-128"/>
-                <a:ea typeface="小塚ゴシック Pr6N EL" panose="020B0200000000000000" pitchFamily="34" charset="-128"/>
-              </a:rPr>
-              <a:t>とは程遠かった</a:t>
+              <a:t>正解とは程遠かった</a:t>
             </a:r>
             <a:endParaRPr lang="en-US" altLang="ja-JP" sz="3600" dirty="0" smtClean="0">
               <a:latin typeface="小塚ゴシック Pr6N EL" panose="020B0200000000000000" pitchFamily="34" charset="-128"/>
@@ -7754,28 +7642,7 @@
                 <a:latin typeface="小塚ゴシック Pr6N EL" panose="020B0200000000000000" pitchFamily="34" charset="-128"/>
                 <a:ea typeface="小塚ゴシック Pr6N EL" panose="020B0200000000000000" pitchFamily="34" charset="-128"/>
               </a:rPr>
-              <a:t>画像</a:t>
-            </a:r>
-            <a:r>
-              <a:rPr kumimoji="1" lang="ja-JP" altLang="en-US" sz="3200" dirty="0" smtClean="0">
-                <a:latin typeface="小塚ゴシック Pr6N EL" panose="020B0200000000000000" pitchFamily="34" charset="-128"/>
-                <a:ea typeface="小塚ゴシック Pr6N EL" panose="020B0200000000000000" pitchFamily="34" charset="-128"/>
-              </a:rPr>
-              <a:t>の収集を続け，訓練デー　</a:t>
-            </a:r>
-            <a:r>
-              <a:rPr kumimoji="1" lang="ja-JP" altLang="en-US" sz="3200" dirty="0" smtClean="0">
-                <a:latin typeface="小塚ゴシック Pr6N EL" panose="020B0200000000000000" pitchFamily="34" charset="-128"/>
-                <a:ea typeface="小塚ゴシック Pr6N EL" panose="020B0200000000000000" pitchFamily="34" charset="-128"/>
-              </a:rPr>
-              <a:t>タ</a:t>
-            </a:r>
-            <a:r>
-              <a:rPr kumimoji="1" lang="ja-JP" altLang="en-US" sz="3200" dirty="0" smtClean="0">
-                <a:latin typeface="小塚ゴシック Pr6N EL" panose="020B0200000000000000" pitchFamily="34" charset="-128"/>
-                <a:ea typeface="小塚ゴシック Pr6N EL" panose="020B0200000000000000" pitchFamily="34" charset="-128"/>
-              </a:rPr>
-              <a:t>を増やす</a:t>
+              <a:t>画像の収集を続け，訓練デー　タを増やす</a:t>
             </a:r>
             <a:endParaRPr kumimoji="1" lang="en-US" altLang="ja-JP" sz="3200" dirty="0" smtClean="0">
               <a:latin typeface="小塚ゴシック Pr6N EL" panose="020B0200000000000000" pitchFamily="34" charset="-128"/>
@@ -7792,28 +7659,7 @@
                 <a:latin typeface="小塚ゴシック Pr6N EL" panose="020B0200000000000000" pitchFamily="34" charset="-128"/>
                 <a:ea typeface="小塚ゴシック Pr6N EL" panose="020B0200000000000000" pitchFamily="34" charset="-128"/>
               </a:rPr>
-              <a:t>画像</a:t>
-            </a:r>
-            <a:r>
-              <a:rPr lang="ja-JP" altLang="en-US" sz="3200" dirty="0" smtClean="0">
-                <a:latin typeface="小塚ゴシック Pr6N EL" panose="020B0200000000000000" pitchFamily="34" charset="-128"/>
-                <a:ea typeface="小塚ゴシック Pr6N EL" panose="020B0200000000000000" pitchFamily="34" charset="-128"/>
-              </a:rPr>
-              <a:t>のリサイズを洗練させ，　</a:t>
-            </a:r>
-            <a:r>
-              <a:rPr lang="ja-JP" altLang="en-US" sz="3200" dirty="0" smtClean="0">
-                <a:latin typeface="小塚ゴシック Pr6N EL" panose="020B0200000000000000" pitchFamily="34" charset="-128"/>
-                <a:ea typeface="小塚ゴシック Pr6N EL" panose="020B0200000000000000" pitchFamily="34" charset="-128"/>
-              </a:rPr>
-              <a:t>解析</a:t>
-            </a:r>
-            <a:r>
-              <a:rPr lang="ja-JP" altLang="en-US" sz="3200" dirty="0" smtClean="0">
-                <a:latin typeface="小塚ゴシック Pr6N EL" panose="020B0200000000000000" pitchFamily="34" charset="-128"/>
-                <a:ea typeface="小塚ゴシック Pr6N EL" panose="020B0200000000000000" pitchFamily="34" charset="-128"/>
-              </a:rPr>
-              <a:t>の効率を向上させる</a:t>
+              <a:t>画像のリサイズを洗練させ，　解析の効率を向上させる</a:t>
             </a:r>
             <a:endParaRPr lang="en-US" altLang="ja-JP" sz="3200" dirty="0" smtClean="0">
               <a:latin typeface="小塚ゴシック Pr6N EL" panose="020B0200000000000000" pitchFamily="34" charset="-128"/>
@@ -7830,28 +7676,7 @@
                 <a:latin typeface="小塚ゴシック Pr6N EL" panose="020B0200000000000000" pitchFamily="34" charset="-128"/>
                 <a:ea typeface="小塚ゴシック Pr6N EL" panose="020B0200000000000000" pitchFamily="34" charset="-128"/>
               </a:rPr>
-              <a:t>別</a:t>
-            </a:r>
-            <a:r>
-              <a:rPr lang="ja-JP" altLang="en-US" sz="3200" dirty="0" smtClean="0">
-                <a:latin typeface="小塚ゴシック Pr6N EL" panose="020B0200000000000000" pitchFamily="34" charset="-128"/>
-                <a:ea typeface="小塚ゴシック Pr6N EL" panose="020B0200000000000000" pitchFamily="34" charset="-128"/>
-              </a:rPr>
-              <a:t>の機械学習ライブラリを</a:t>
-            </a:r>
-            <a:r>
-              <a:rPr lang="ja-JP" altLang="en-US" sz="3200" dirty="0" smtClean="0">
-                <a:latin typeface="小塚ゴシック Pr6N EL" panose="020B0200000000000000" pitchFamily="34" charset="-128"/>
-                <a:ea typeface="小塚ゴシック Pr6N EL" panose="020B0200000000000000" pitchFamily="34" charset="-128"/>
-              </a:rPr>
-              <a:t>使用</a:t>
-            </a:r>
-            <a:r>
-              <a:rPr lang="ja-JP" altLang="en-US" sz="3200" dirty="0" smtClean="0">
-                <a:latin typeface="小塚ゴシック Pr6N EL" panose="020B0200000000000000" pitchFamily="34" charset="-128"/>
-                <a:ea typeface="小塚ゴシック Pr6N EL" panose="020B0200000000000000" pitchFamily="34" charset="-128"/>
-              </a:rPr>
-              <a:t>する</a:t>
+              <a:t>別の機械学習ライブラリを使用する</a:t>
             </a:r>
             <a:endParaRPr lang="en-US" altLang="ja-JP" sz="3200" dirty="0" smtClean="0">
               <a:latin typeface="小塚ゴシック Pr6N EL" panose="020B0200000000000000" pitchFamily="34" charset="-128"/>
